--- a/poster/292C Project Poster.pptx
+++ b/poster/292C Project Poster.pptx
@@ -757,7 +757,7 @@
           <a:p>
             <a:fld id="{C764DE79-268F-4C1A-8933-263129D2AF90}" type="datetimeFigureOut">
               <a:rPr lang="en-US" dirty="0"/>
-              <a:t>5/13/22</a:t>
+              <a:t>5/13/2022</a:t>
             </a:fld>
             <a:endParaRPr lang="en-US"/>
           </a:p>
@@ -925,7 +925,7 @@
           <a:p>
             <a:fld id="{C764DE79-268F-4C1A-8933-263129D2AF90}" type="datetimeFigureOut">
               <a:rPr lang="en-US" dirty="0"/>
-              <a:t>5/13/22</a:t>
+              <a:t>5/13/2022</a:t>
             </a:fld>
             <a:endParaRPr lang="en-US"/>
           </a:p>
@@ -1103,7 +1103,7 @@
           <a:p>
             <a:fld id="{C764DE79-268F-4C1A-8933-263129D2AF90}" type="datetimeFigureOut">
               <a:rPr lang="en-US" dirty="0"/>
-              <a:t>5/13/22</a:t>
+              <a:t>5/13/2022</a:t>
             </a:fld>
             <a:endParaRPr lang="en-US"/>
           </a:p>
@@ -1426,7 +1426,7 @@
           <a:p>
             <a:fld id="{C764DE79-268F-4C1A-8933-263129D2AF90}" type="datetimeFigureOut">
               <a:rPr lang="en-US" dirty="0"/>
-              <a:t>5/13/22</a:t>
+              <a:t>5/13/2022</a:t>
             </a:fld>
             <a:endParaRPr lang="en-US"/>
           </a:p>
@@ -1669,7 +1669,7 @@
           <a:p>
             <a:fld id="{C764DE79-268F-4C1A-8933-263129D2AF90}" type="datetimeFigureOut">
               <a:rPr lang="en-US" dirty="0"/>
-              <a:t>5/13/22</a:t>
+              <a:t>5/13/2022</a:t>
             </a:fld>
             <a:endParaRPr lang="en-US"/>
           </a:p>
@@ -1898,7 +1898,7 @@
           <a:p>
             <a:fld id="{C764DE79-268F-4C1A-8933-263129D2AF90}" type="datetimeFigureOut">
               <a:rPr lang="en-US" dirty="0"/>
-              <a:t>5/13/22</a:t>
+              <a:t>5/13/2022</a:t>
             </a:fld>
             <a:endParaRPr lang="en-US"/>
           </a:p>
@@ -2262,7 +2262,7 @@
           <a:p>
             <a:fld id="{C764DE79-268F-4C1A-8933-263129D2AF90}" type="datetimeFigureOut">
               <a:rPr lang="en-US" dirty="0"/>
-              <a:t>5/13/22</a:t>
+              <a:t>5/13/2022</a:t>
             </a:fld>
             <a:endParaRPr lang="en-US"/>
           </a:p>
@@ -2379,7 +2379,7 @@
           <a:p>
             <a:fld id="{C764DE79-268F-4C1A-8933-263129D2AF90}" type="datetimeFigureOut">
               <a:rPr lang="en-US" dirty="0"/>
-              <a:t>5/13/22</a:t>
+              <a:t>5/13/2022</a:t>
             </a:fld>
             <a:endParaRPr lang="en-US"/>
           </a:p>
@@ -2474,7 +2474,7 @@
           <a:p>
             <a:fld id="{C764DE79-268F-4C1A-8933-263129D2AF90}" type="datetimeFigureOut">
               <a:rPr lang="en-US" dirty="0"/>
-              <a:t>5/13/22</a:t>
+              <a:t>5/13/2022</a:t>
             </a:fld>
             <a:endParaRPr lang="en-US"/>
           </a:p>
@@ -2749,7 +2749,7 @@
           <a:p>
             <a:fld id="{C764DE79-268F-4C1A-8933-263129D2AF90}" type="datetimeFigureOut">
               <a:rPr lang="en-US" dirty="0"/>
-              <a:t>5/13/22</a:t>
+              <a:t>5/13/2022</a:t>
             </a:fld>
             <a:endParaRPr lang="en-US"/>
           </a:p>
@@ -3001,7 +3001,7 @@
           <a:p>
             <a:fld id="{C764DE79-268F-4C1A-8933-263129D2AF90}" type="datetimeFigureOut">
               <a:rPr lang="en-US" dirty="0"/>
-              <a:t>5/13/22</a:t>
+              <a:t>5/13/2022</a:t>
             </a:fld>
             <a:endParaRPr lang="en-US"/>
           </a:p>
@@ -3212,7 +3212,7 @@
           <a:p>
             <a:fld id="{C764DE79-268F-4C1A-8933-263129D2AF90}" type="datetimeFigureOut">
               <a:rPr lang="en-US" dirty="0"/>
-              <a:t>5/13/22</a:t>
+              <a:t>5/13/2022</a:t>
             </a:fld>
             <a:endParaRPr lang="en-US"/>
           </a:p>
@@ -3668,8 +3668,8 @@
         </p:nvSpPr>
         <p:spPr>
           <a:xfrm>
-            <a:off x="0" y="0"/>
-            <a:ext cx="43980480" cy="4112640"/>
+            <a:off x="3035768" y="-13965304"/>
+            <a:ext cx="9390853" cy="878144"/>
           </a:xfrm>
           <a:prstGeom prst="rect">
             <a:avLst/>
@@ -4987,7 +4987,7 @@
         </p:nvSpPr>
         <p:spPr>
           <a:xfrm>
-            <a:off x="15118462" y="20808627"/>
+            <a:off x="15166747" y="15799535"/>
             <a:ext cx="13646986" cy="120772"/>
           </a:xfrm>
           <a:prstGeom prst="rect">
@@ -5090,7 +5090,7 @@
         </p:blipFill>
         <p:spPr bwMode="auto">
           <a:xfrm>
-            <a:off x="18437652" y="5669626"/>
+            <a:off x="15184222" y="5631461"/>
             <a:ext cx="7075488" cy="6564622"/>
           </a:xfrm>
           <a:prstGeom prst="rect">
@@ -5159,7 +5159,7 @@
                 </a:solidFill>
                 <a:latin typeface="Arial"/>
               </a:rPr>
-              <a:t>User is unable to solve a real-world Challenger puzzle </a:t>
+              <a:t>User converts puzzle to input </a:t>
             </a:r>
             <a:r>
               <a:rPr lang="en-US" sz="4000" spc="-1" dirty="0">
@@ -5169,7 +5169,17 @@
                 <a:latin typeface="Arial"/>
                 <a:sym typeface="Wingdings" pitchFamily="2" charset="2"/>
               </a:rPr>
-              <a:t></a:t>
+              <a:t>format for </a:t>
+            </a:r>
+            <a:r>
+              <a:rPr lang="en-US" sz="4000" b="1" spc="-1" dirty="0" err="1">
+                <a:solidFill>
+                  <a:srgbClr val="FFFFFF"/>
+                </a:solidFill>
+                <a:latin typeface="Arial"/>
+                <a:sym typeface="Wingdings" pitchFamily="2" charset="2"/>
+              </a:rPr>
+              <a:t>pSUS</a:t>
             </a:r>
             <a:endParaRPr lang="en-US" sz="4000" b="0" strike="noStrike" spc="-1" dirty="0">
               <a:latin typeface="Arial"/>
@@ -5179,10 +5189,10 @@
       </p:sp>
       <p:sp>
         <p:nvSpPr>
-          <p:cNvPr id="15" name="TextBox 14">
+          <p:cNvPr id="43" name="TextBox 42">
             <a:extLst>
               <a:ext uri="{FF2B5EF4-FFF2-40B4-BE49-F238E27FC236}">
-                <a16:creationId xmlns:a16="http://schemas.microsoft.com/office/drawing/2014/main" id="{E0FC5DBC-AA22-271C-9087-4A64A600DCE3}"/>
+                <a16:creationId xmlns:a16="http://schemas.microsoft.com/office/drawing/2014/main" id="{F2A9B107-3243-AC6B-38A5-F4AF13FC8FC5}"/>
               </a:ext>
             </a:extLst>
           </p:cNvPr>
@@ -5191,8 +5201,8 @@
         </p:nvSpPr>
         <p:spPr>
           <a:xfrm>
-            <a:off x="18730048" y="14024590"/>
-            <a:ext cx="6365065" cy="5632311"/>
+            <a:off x="18360124" y="23735975"/>
+            <a:ext cx="6944077" cy="5632311"/>
           </a:xfrm>
           <a:prstGeom prst="rect">
             <a:avLst/>
@@ -5200,7 +5210,7 @@
           <a:noFill/>
         </p:spPr>
         <p:txBody>
-          <a:bodyPr wrap="square" rtlCol="0">
+          <a:bodyPr wrap="square">
             <a:spAutoFit/>
           </a:bodyPr>
           <a:lstStyle/>
@@ -5213,7 +5223,7 @@
                 <a:latin typeface="Consolas" panose="020B0609020204030204" pitchFamily="49" charset="0"/>
                 <a:cs typeface="Consolas" panose="020B0609020204030204" pitchFamily="49" charset="0"/>
               </a:rPr>
-              <a:t>            19</a:t>
+              <a:t>             19</a:t>
             </a:r>
           </a:p>
           <a:p>
@@ -5225,7 +5235,7 @@
                 <a:latin typeface="Consolas" panose="020B0609020204030204" pitchFamily="49" charset="0"/>
                 <a:cs typeface="Consolas" panose="020B0609020204030204" pitchFamily="49" charset="0"/>
               </a:rPr>
-              <a:t> _  _  6  _ 19</a:t>
+              <a:t>  9  1  6  3 19</a:t>
             </a:r>
           </a:p>
           <a:p>
@@ -5237,7 +5247,7 @@
                 <a:latin typeface="Consolas" panose="020B0609020204030204" pitchFamily="49" charset="0"/>
                 <a:cs typeface="Consolas" panose="020B0609020204030204" pitchFamily="49" charset="0"/>
               </a:rPr>
-              <a:t> 6  _  _  _ 19</a:t>
+              <a:t>  6  3  9  1 19</a:t>
             </a:r>
           </a:p>
           <a:p>
@@ -5249,7 +5259,7 @@
                 <a:latin typeface="Consolas" panose="020B0609020204030204" pitchFamily="49" charset="0"/>
                 <a:cs typeface="Consolas" panose="020B0609020204030204" pitchFamily="49" charset="0"/>
               </a:rPr>
-              <a:t> _  6  _  _ 19</a:t>
+              <a:t>  3  6  1  9 19</a:t>
             </a:r>
           </a:p>
           <a:p>
@@ -5261,7 +5271,7 @@
                 <a:latin typeface="Consolas" panose="020B0609020204030204" pitchFamily="49" charset="0"/>
                 <a:cs typeface="Consolas" panose="020B0609020204030204" pitchFamily="49" charset="0"/>
               </a:rPr>
-              <a:t> _  _  _  6 19</a:t>
+              <a:t>  1  9  3  6 19</a:t>
             </a:r>
           </a:p>
           <a:p>
@@ -5273,17 +5283,17 @@
                 <a:latin typeface="Consolas" panose="020B0609020204030204" pitchFamily="49" charset="0"/>
                 <a:cs typeface="Consolas" panose="020B0609020204030204" pitchFamily="49" charset="0"/>
               </a:rPr>
-              <a:t>19 19 19 19 19</a:t>
-            </a:r>
-          </a:p>
-        </p:txBody>
-      </p:sp>
-      <p:sp>
-        <p:nvSpPr>
-          <p:cNvPr id="40" name="CustomShape 5">
+              <a:t> 19 19 19 19 19</a:t>
+            </a:r>
+          </a:p>
+        </p:txBody>
+      </p:sp>
+      <p:sp>
+        <p:nvSpPr>
+          <p:cNvPr id="44" name="CustomShape 5">
             <a:extLst>
               <a:ext uri="{FF2B5EF4-FFF2-40B4-BE49-F238E27FC236}">
-                <a16:creationId xmlns:a16="http://schemas.microsoft.com/office/drawing/2014/main" id="{C8589B96-5A2C-0108-DF19-9B4250378087}"/>
+                <a16:creationId xmlns:a16="http://schemas.microsoft.com/office/drawing/2014/main" id="{79F570F0-8602-D576-76A3-14A27AD59E8A}"/>
               </a:ext>
             </a:extLst>
           </p:cNvPr>
@@ -5292,8 +5302,8 @@
         </p:nvSpPr>
         <p:spPr>
           <a:xfrm>
-            <a:off x="14764278" y="19568737"/>
-            <a:ext cx="14385782" cy="1064131"/>
+            <a:off x="14723282" y="29232104"/>
+            <a:ext cx="14505714" cy="1064131"/>
           </a:xfrm>
           <a:prstGeom prst="rect">
             <a:avLst/>
@@ -5323,182 +5333,31 @@
           <a:p>
             <a:pPr algn="ctr"/>
             <a:r>
+              <a:rPr lang="en-US" sz="4000" b="1" spc="-1" dirty="0" err="1">
+                <a:solidFill>
+                  <a:srgbClr val="FFFFFF"/>
+                </a:solidFill>
+                <a:latin typeface="Arial"/>
+              </a:rPr>
+              <a:t>pSUS</a:t>
+            </a:r>
+            <a:r>
+              <a:rPr lang="en-US" sz="4000" b="1" spc="-1" dirty="0">
+                <a:solidFill>
+                  <a:srgbClr val="FFFFFF"/>
+                </a:solidFill>
+                <a:latin typeface="Arial"/>
+              </a:rPr>
+              <a:t> </a:t>
+            </a:r>
+            <a:r>
               <a:rPr lang="en-US" sz="4000" spc="-1" dirty="0">
                 <a:solidFill>
                   <a:srgbClr val="FFFFFF"/>
                 </a:solidFill>
                 <a:latin typeface="Arial"/>
               </a:rPr>
-              <a:t>User converts puzzle to an input format for our tool</a:t>
-            </a:r>
-            <a:endParaRPr lang="en-US" sz="4000" b="0" strike="noStrike" spc="-1" dirty="0">
-              <a:latin typeface="Arial"/>
-            </a:endParaRPr>
-          </a:p>
-        </p:txBody>
-      </p:sp>
-      <p:sp>
-        <p:nvSpPr>
-          <p:cNvPr id="43" name="TextBox 42">
-            <a:extLst>
-              <a:ext uri="{FF2B5EF4-FFF2-40B4-BE49-F238E27FC236}">
-                <a16:creationId xmlns:a16="http://schemas.microsoft.com/office/drawing/2014/main" id="{F2A9B107-3243-AC6B-38A5-F4AF13FC8FC5}"/>
-              </a:ext>
-            </a:extLst>
-          </p:cNvPr>
-          <p:cNvSpPr txBox="1"/>
-          <p:nvPr/>
-        </p:nvSpPr>
-        <p:spPr>
-          <a:xfrm>
-            <a:off x="18360124" y="23735975"/>
-            <a:ext cx="6944077" cy="5632311"/>
-          </a:xfrm>
-          <a:prstGeom prst="rect">
-            <a:avLst/>
-          </a:prstGeom>
-          <a:noFill/>
-        </p:spPr>
-        <p:txBody>
-          <a:bodyPr wrap="square">
-            <a:spAutoFit/>
-          </a:bodyPr>
-          <a:lstStyle/>
-          <a:p>
-            <a:r>
-              <a:rPr lang="en-US" sz="6000" dirty="0">
-                <a:solidFill>
-                  <a:schemeClr val="bg1"/>
-                </a:solidFill>
-                <a:latin typeface="Consolas" panose="020B0609020204030204" pitchFamily="49" charset="0"/>
-                <a:cs typeface="Consolas" panose="020B0609020204030204" pitchFamily="49" charset="0"/>
-              </a:rPr>
-              <a:t>             19</a:t>
-            </a:r>
-          </a:p>
-          <a:p>
-            <a:r>
-              <a:rPr lang="en-US" sz="6000" dirty="0">
-                <a:solidFill>
-                  <a:schemeClr val="bg1"/>
-                </a:solidFill>
-                <a:latin typeface="Consolas" panose="020B0609020204030204" pitchFamily="49" charset="0"/>
-                <a:cs typeface="Consolas" panose="020B0609020204030204" pitchFamily="49" charset="0"/>
-              </a:rPr>
-              <a:t>  9  1  6  3 19</a:t>
-            </a:r>
-          </a:p>
-          <a:p>
-            <a:r>
-              <a:rPr lang="en-US" sz="6000" dirty="0">
-                <a:solidFill>
-                  <a:schemeClr val="bg1"/>
-                </a:solidFill>
-                <a:latin typeface="Consolas" panose="020B0609020204030204" pitchFamily="49" charset="0"/>
-                <a:cs typeface="Consolas" panose="020B0609020204030204" pitchFamily="49" charset="0"/>
-              </a:rPr>
-              <a:t>  6  3  9  1 19</a:t>
-            </a:r>
-          </a:p>
-          <a:p>
-            <a:r>
-              <a:rPr lang="en-US" sz="6000" dirty="0">
-                <a:solidFill>
-                  <a:schemeClr val="bg1"/>
-                </a:solidFill>
-                <a:latin typeface="Consolas" panose="020B0609020204030204" pitchFamily="49" charset="0"/>
-                <a:cs typeface="Consolas" panose="020B0609020204030204" pitchFamily="49" charset="0"/>
-              </a:rPr>
-              <a:t>  3  6  1  9 19</a:t>
-            </a:r>
-          </a:p>
-          <a:p>
-            <a:r>
-              <a:rPr lang="en-US" sz="6000" dirty="0">
-                <a:solidFill>
-                  <a:schemeClr val="bg1"/>
-                </a:solidFill>
-                <a:latin typeface="Consolas" panose="020B0609020204030204" pitchFamily="49" charset="0"/>
-                <a:cs typeface="Consolas" panose="020B0609020204030204" pitchFamily="49" charset="0"/>
-              </a:rPr>
-              <a:t>  1  9  3  6 19</a:t>
-            </a:r>
-          </a:p>
-          <a:p>
-            <a:r>
-              <a:rPr lang="en-US" sz="6000" dirty="0">
-                <a:solidFill>
-                  <a:schemeClr val="bg1"/>
-                </a:solidFill>
-                <a:latin typeface="Consolas" panose="020B0609020204030204" pitchFamily="49" charset="0"/>
-                <a:cs typeface="Consolas" panose="020B0609020204030204" pitchFamily="49" charset="0"/>
-              </a:rPr>
-              <a:t> 19 19 19 19 19</a:t>
-            </a:r>
-          </a:p>
-        </p:txBody>
-      </p:sp>
-      <p:sp>
-        <p:nvSpPr>
-          <p:cNvPr id="44" name="CustomShape 5">
-            <a:extLst>
-              <a:ext uri="{FF2B5EF4-FFF2-40B4-BE49-F238E27FC236}">
-                <a16:creationId xmlns:a16="http://schemas.microsoft.com/office/drawing/2014/main" id="{79F570F0-8602-D576-76A3-14A27AD59E8A}"/>
-              </a:ext>
-            </a:extLst>
-          </p:cNvPr>
-          <p:cNvSpPr/>
-          <p:nvPr/>
-        </p:nvSpPr>
-        <p:spPr>
-          <a:xfrm>
-            <a:off x="14723282" y="29232104"/>
-            <a:ext cx="14505714" cy="1064131"/>
-          </a:xfrm>
-          <a:prstGeom prst="rect">
-            <a:avLst/>
-          </a:prstGeom>
-          <a:noFill/>
-          <a:ln>
-            <a:noFill/>
-          </a:ln>
-        </p:spPr>
-        <p:style>
-          <a:lnRef idx="0">
-            <a:scrgbClr r="0" g="0" b="0"/>
-          </a:lnRef>
-          <a:fillRef idx="0">
-            <a:scrgbClr r="0" g="0" b="0"/>
-          </a:fillRef>
-          <a:effectRef idx="0">
-            <a:scrgbClr r="0" g="0" b="0"/>
-          </a:effectRef>
-          <a:fontRef idx="minor"/>
-        </p:style>
-        <p:txBody>
-          <a:bodyPr wrap="square" lIns="444240" tIns="222120" rIns="444240" bIns="222120" anchor="t">
-            <a:spAutoFit/>
-          </a:bodyPr>
-          <a:lstStyle/>
-          <a:p>
-            <a:pPr algn="ctr"/>
-            <a:r>
-              <a:rPr lang="en-US" sz="4000" b="0" strike="noStrike" spc="-1" dirty="0">
-                <a:solidFill>
-                  <a:srgbClr val="FFFFFF"/>
-                </a:solidFill>
-                <a:latin typeface="Arial"/>
-              </a:rPr>
-              <a:t>O</a:t>
-            </a:r>
-            <a:r>
-              <a:rPr lang="en-US" sz="4000" spc="-1" dirty="0">
-                <a:solidFill>
-                  <a:srgbClr val="FFFFFF"/>
-                </a:solidFill>
-                <a:latin typeface="Arial"/>
-              </a:rPr>
-              <a:t>ur tool outputs the solved puzzle in a file</a:t>
+              <a:t>outputs solved puzzle</a:t>
             </a:r>
             <a:endParaRPr lang="en-US" sz="4000" b="0" strike="noStrike" spc="-1" dirty="0">
               <a:latin typeface="Arial"/>
@@ -5520,7 +5379,7 @@
         </p:nvSpPr>
         <p:spPr>
           <a:xfrm>
-            <a:off x="15193981" y="23365225"/>
+            <a:off x="15192712" y="23525420"/>
             <a:ext cx="13646986" cy="120772"/>
           </a:xfrm>
           <a:prstGeom prst="rect">
@@ -5572,7 +5431,7 @@
         </p:nvSpPr>
         <p:spPr>
           <a:xfrm>
-            <a:off x="14948532" y="21210580"/>
+            <a:off x="14865460" y="13926977"/>
             <a:ext cx="14201524" cy="1077218"/>
           </a:xfrm>
           <a:prstGeom prst="rect">
@@ -5683,7 +5542,7 @@
         </p:nvSpPr>
         <p:spPr>
           <a:xfrm>
-            <a:off x="14764278" y="22014790"/>
+            <a:off x="14681206" y="14731187"/>
             <a:ext cx="14178392" cy="1064131"/>
           </a:xfrm>
           <a:prstGeom prst="rect">
@@ -5720,7 +5579,25 @@
                 </a:solidFill>
                 <a:latin typeface="Arial"/>
               </a:rPr>
-              <a:t>User calls our tool from the command line</a:t>
+              <a:t>User calls </a:t>
+            </a:r>
+            <a:r>
+              <a:rPr lang="en-US" sz="4000" b="1" spc="-1" dirty="0" err="1">
+                <a:solidFill>
+                  <a:srgbClr val="FFFFFF"/>
+                </a:solidFill>
+                <a:latin typeface="Arial"/>
+              </a:rPr>
+              <a:t>pSUS</a:t>
+            </a:r>
+            <a:r>
+              <a:rPr lang="en-US" sz="4000" spc="-1" dirty="0">
+                <a:solidFill>
+                  <a:srgbClr val="FFFFFF"/>
+                </a:solidFill>
+                <a:latin typeface="Arial"/>
+              </a:rPr>
+              <a:t> from the command line</a:t>
             </a:r>
             <a:endParaRPr lang="en-US" sz="4000" b="0" strike="noStrike" spc="-1" dirty="0">
               <a:latin typeface="Arial"/>
@@ -5977,7 +5854,7 @@
                 <a:ea typeface="+mn-lt"/>
                 <a:cs typeface="+mn-lt"/>
               </a:rPr>
-              <a:t>CMPSC 292C, Spring 22 | Thanks to Professor Yu Feng</a:t>
+              <a:t>CMPSC 292C, Spring 22 | Acknowledgements: Professor Yu Feng</a:t>
             </a:r>
             <a:endParaRPr lang="en-US" sz="6000" b="0" strike="noStrike" spc="-1" dirty="0">
               <a:solidFill>
@@ -6003,7 +5880,7 @@
         </p:nvSpPr>
         <p:spPr>
           <a:xfrm>
-            <a:off x="24384000" y="7410659"/>
+            <a:off x="21130570" y="7372494"/>
             <a:ext cx="1066325" cy="3492350"/>
           </a:xfrm>
           <a:prstGeom prst="roundRect">
@@ -6055,7 +5932,7 @@
         </p:nvSpPr>
         <p:spPr>
           <a:xfrm rot="16200000">
-            <a:off x="22414140" y="9861346"/>
+            <a:off x="19160710" y="9823181"/>
             <a:ext cx="1066325" cy="3039722"/>
           </a:xfrm>
           <a:prstGeom prst="roundRect">
@@ -6107,7 +5984,7 @@
         </p:nvSpPr>
         <p:spPr>
           <a:xfrm rot="16200000">
-            <a:off x="24398930" y="6287285"/>
+            <a:off x="21145500" y="6249120"/>
             <a:ext cx="1066325" cy="1162095"/>
           </a:xfrm>
           <a:prstGeom prst="roundRect">
@@ -6159,7 +6036,7 @@
         </p:nvSpPr>
         <p:spPr>
           <a:xfrm rot="16200000">
-            <a:off x="24440840" y="10875526"/>
+            <a:off x="21187410" y="10837361"/>
             <a:ext cx="1066325" cy="1066326"/>
           </a:xfrm>
           <a:prstGeom prst="roundRect">
@@ -6197,6 +6074,413 @@
           </a:p>
         </p:txBody>
       </p:sp>
+      <p:sp>
+        <p:nvSpPr>
+          <p:cNvPr id="56" name="TextBox 55">
+            <a:extLst>
+              <a:ext uri="{FF2B5EF4-FFF2-40B4-BE49-F238E27FC236}">
+                <a16:creationId xmlns:a16="http://schemas.microsoft.com/office/drawing/2014/main" id="{2EC09954-95AA-44B1-A3A8-6DAE47E8EE97}"/>
+              </a:ext>
+            </a:extLst>
+          </p:cNvPr>
+          <p:cNvSpPr txBox="1"/>
+          <p:nvPr/>
+        </p:nvSpPr>
+        <p:spPr>
+          <a:xfrm>
+            <a:off x="22784988" y="6231825"/>
+            <a:ext cx="6365065" cy="5632311"/>
+          </a:xfrm>
+          <a:prstGeom prst="rect">
+            <a:avLst/>
+          </a:prstGeom>
+          <a:noFill/>
+        </p:spPr>
+        <p:txBody>
+          <a:bodyPr wrap="square" rtlCol="0">
+            <a:spAutoFit/>
+          </a:bodyPr>
+          <a:lstStyle/>
+          <a:p>
+            <a:r>
+              <a:rPr lang="en-US" sz="6000" dirty="0">
+                <a:solidFill>
+                  <a:schemeClr val="bg1"/>
+                </a:solidFill>
+                <a:latin typeface="Consolas" panose="020B0609020204030204" pitchFamily="49" charset="0"/>
+                <a:cs typeface="Consolas" panose="020B0609020204030204" pitchFamily="49" charset="0"/>
+              </a:rPr>
+              <a:t>            19</a:t>
+            </a:r>
+          </a:p>
+          <a:p>
+            <a:r>
+              <a:rPr lang="en-US" sz="6000" dirty="0">
+                <a:solidFill>
+                  <a:schemeClr val="bg1"/>
+                </a:solidFill>
+                <a:latin typeface="Consolas" panose="020B0609020204030204" pitchFamily="49" charset="0"/>
+                <a:cs typeface="Consolas" panose="020B0609020204030204" pitchFamily="49" charset="0"/>
+              </a:rPr>
+              <a:t> _  _  6  _ 19</a:t>
+            </a:r>
+          </a:p>
+          <a:p>
+            <a:r>
+              <a:rPr lang="en-US" sz="6000" dirty="0">
+                <a:solidFill>
+                  <a:schemeClr val="bg1"/>
+                </a:solidFill>
+                <a:latin typeface="Consolas" panose="020B0609020204030204" pitchFamily="49" charset="0"/>
+                <a:cs typeface="Consolas" panose="020B0609020204030204" pitchFamily="49" charset="0"/>
+              </a:rPr>
+              <a:t> 6  _  _  _ 19</a:t>
+            </a:r>
+          </a:p>
+          <a:p>
+            <a:r>
+              <a:rPr lang="en-US" sz="6000" dirty="0">
+                <a:solidFill>
+                  <a:schemeClr val="bg1"/>
+                </a:solidFill>
+                <a:latin typeface="Consolas" panose="020B0609020204030204" pitchFamily="49" charset="0"/>
+                <a:cs typeface="Consolas" panose="020B0609020204030204" pitchFamily="49" charset="0"/>
+              </a:rPr>
+              <a:t> _  6  _  _ 19</a:t>
+            </a:r>
+          </a:p>
+          <a:p>
+            <a:r>
+              <a:rPr lang="en-US" sz="6000" dirty="0">
+                <a:solidFill>
+                  <a:schemeClr val="bg1"/>
+                </a:solidFill>
+                <a:latin typeface="Consolas" panose="020B0609020204030204" pitchFamily="49" charset="0"/>
+                <a:cs typeface="Consolas" panose="020B0609020204030204" pitchFamily="49" charset="0"/>
+              </a:rPr>
+              <a:t> _  _  _  6 19</a:t>
+            </a:r>
+          </a:p>
+          <a:p>
+            <a:r>
+              <a:rPr lang="en-US" sz="6000" dirty="0">
+                <a:solidFill>
+                  <a:schemeClr val="bg1"/>
+                </a:solidFill>
+                <a:latin typeface="Consolas" panose="020B0609020204030204" pitchFamily="49" charset="0"/>
+                <a:cs typeface="Consolas" panose="020B0609020204030204" pitchFamily="49" charset="0"/>
+              </a:rPr>
+              <a:t>19 19 19 19 19</a:t>
+            </a:r>
+          </a:p>
+        </p:txBody>
+      </p:sp>
+      <p:sp>
+        <p:nvSpPr>
+          <p:cNvPr id="2" name="TextBox 1">
+            <a:extLst>
+              <a:ext uri="{FF2B5EF4-FFF2-40B4-BE49-F238E27FC236}">
+                <a16:creationId xmlns:a16="http://schemas.microsoft.com/office/drawing/2014/main" id="{59AA1CA8-C6C6-4DAE-868D-644B57ECF232}"/>
+              </a:ext>
+            </a:extLst>
+          </p:cNvPr>
+          <p:cNvSpPr txBox="1"/>
+          <p:nvPr/>
+        </p:nvSpPr>
+        <p:spPr>
+          <a:xfrm>
+            <a:off x="15158958" y="16144023"/>
+            <a:ext cx="12595115" cy="6186309"/>
+          </a:xfrm>
+          <a:prstGeom prst="rect">
+            <a:avLst/>
+          </a:prstGeom>
+          <a:noFill/>
+        </p:spPr>
+        <p:txBody>
+          <a:bodyPr wrap="none" rtlCol="0">
+            <a:spAutoFit/>
+          </a:bodyPr>
+          <a:lstStyle/>
+          <a:p>
+            <a:r>
+              <a:rPr lang="en-US" sz="3600" dirty="0">
+                <a:solidFill>
+                  <a:schemeClr val="bg1"/>
+                </a:solidFill>
+                <a:latin typeface="Consolas" panose="020B0609020204030204" pitchFamily="49" charset="0"/>
+              </a:rPr>
+              <a:t>; part of entry clause</a:t>
+            </a:r>
+          </a:p>
+          <a:p>
+            <a:r>
+              <a:rPr lang="en-US" sz="3600" dirty="0">
+                <a:solidFill>
+                  <a:schemeClr val="bg1"/>
+                </a:solidFill>
+                <a:latin typeface="Consolas" panose="020B0609020204030204" pitchFamily="49" charset="0"/>
+              </a:rPr>
+              <a:t>; declaration for an entry at (2, 2) with value 5</a:t>
+            </a:r>
+          </a:p>
+          <a:p>
+            <a:r>
+              <a:rPr lang="en-US" sz="3600" dirty="0">
+                <a:solidFill>
+                  <a:schemeClr val="bg1"/>
+                </a:solidFill>
+                <a:latin typeface="Consolas" panose="020B0609020204030204" pitchFamily="49" charset="0"/>
+              </a:rPr>
+              <a:t>(declare-const x_2_2 Int)</a:t>
+            </a:r>
+          </a:p>
+          <a:p>
+            <a:r>
+              <a:rPr lang="en-US" sz="3600" dirty="0">
+                <a:solidFill>
+                  <a:schemeClr val="bg1"/>
+                </a:solidFill>
+                <a:latin typeface="Consolas" panose="020B0609020204030204" pitchFamily="49" charset="0"/>
+              </a:rPr>
+              <a:t>(assert (= x 5))</a:t>
+            </a:r>
+          </a:p>
+          <a:p>
+            <a:endParaRPr lang="en-US" sz="3600" dirty="0">
+              <a:solidFill>
+                <a:schemeClr val="bg1"/>
+              </a:solidFill>
+              <a:latin typeface="Consolas" panose="020B0609020204030204" pitchFamily="49" charset="0"/>
+            </a:endParaRPr>
+          </a:p>
+          <a:p>
+            <a:r>
+              <a:rPr lang="en-US" sz="3600" dirty="0">
+                <a:solidFill>
+                  <a:schemeClr val="bg1"/>
+                </a:solidFill>
+                <a:latin typeface="Consolas" panose="020B0609020204030204" pitchFamily="49" charset="0"/>
+              </a:rPr>
+              <a:t>; declaration for a hole at (2, 3)</a:t>
+            </a:r>
+          </a:p>
+          <a:p>
+            <a:r>
+              <a:rPr lang="en-US" sz="3600" dirty="0">
+                <a:solidFill>
+                  <a:schemeClr val="bg1"/>
+                </a:solidFill>
+                <a:latin typeface="Consolas" panose="020B0609020204030204" pitchFamily="49" charset="0"/>
+              </a:rPr>
+              <a:t>(declare-const x_2_3 Int)</a:t>
+            </a:r>
+          </a:p>
+          <a:p>
+            <a:r>
+              <a:rPr lang="en-US" sz="3600" dirty="0">
+                <a:solidFill>
+                  <a:schemeClr val="bg1"/>
+                </a:solidFill>
+                <a:latin typeface="Consolas" panose="020B0609020204030204" pitchFamily="49" charset="0"/>
+              </a:rPr>
+              <a:t>(assert (and (&gt;= x_2_3 1) (&lt;= x_2_3 9)))</a:t>
+            </a:r>
+          </a:p>
+          <a:p>
+            <a:endParaRPr lang="en-US" sz="3600" dirty="0">
+              <a:solidFill>
+                <a:schemeClr val="bg1"/>
+              </a:solidFill>
+              <a:latin typeface="Consolas" panose="020B0609020204030204" pitchFamily="49" charset="0"/>
+            </a:endParaRPr>
+          </a:p>
+          <a:p>
+            <a:r>
+              <a:rPr lang="en-US" sz="3600" dirty="0">
+                <a:solidFill>
+                  <a:schemeClr val="bg1"/>
+                </a:solidFill>
+                <a:latin typeface="Consolas" panose="020B0609020204030204" pitchFamily="49" charset="0"/>
+              </a:rPr>
+              <a:t>; part of row clause</a:t>
+            </a:r>
+          </a:p>
+          <a:p>
+            <a:r>
+              <a:rPr lang="en-US" sz="3600" dirty="0">
+                <a:solidFill>
+                  <a:schemeClr val="bg1"/>
+                </a:solidFill>
+                <a:latin typeface="Consolas" panose="020B0609020204030204" pitchFamily="49" charset="0"/>
+              </a:rPr>
+              <a:t>(assert (= (+ ... x_2_2 x_2_3 ...) 17))</a:t>
+            </a:r>
+          </a:p>
+        </p:txBody>
+      </p:sp>
+      <p:sp>
+        <p:nvSpPr>
+          <p:cNvPr id="58" name="CustomShape 5">
+            <a:extLst>
+              <a:ext uri="{FF2B5EF4-FFF2-40B4-BE49-F238E27FC236}">
+                <a16:creationId xmlns:a16="http://schemas.microsoft.com/office/drawing/2014/main" id="{CE8AE3C6-C294-4AAE-9D67-DECB169FA6E0}"/>
+              </a:ext>
+            </a:extLst>
+          </p:cNvPr>
+          <p:cNvSpPr/>
+          <p:nvPr/>
+        </p:nvSpPr>
+        <p:spPr>
+          <a:xfrm>
+            <a:off x="14989529" y="22354766"/>
+            <a:ext cx="14178392" cy="1064131"/>
+          </a:xfrm>
+          <a:prstGeom prst="rect">
+            <a:avLst/>
+          </a:prstGeom>
+          <a:noFill/>
+          <a:ln>
+            <a:noFill/>
+          </a:ln>
+        </p:spPr>
+        <p:style>
+          <a:lnRef idx="0">
+            <a:scrgbClr r="0" g="0" b="0"/>
+          </a:lnRef>
+          <a:fillRef idx="0">
+            <a:scrgbClr r="0" g="0" b="0"/>
+          </a:fillRef>
+          <a:effectRef idx="0">
+            <a:scrgbClr r="0" g="0" b="0"/>
+          </a:effectRef>
+          <a:fontRef idx="minor"/>
+        </p:style>
+        <p:txBody>
+          <a:bodyPr wrap="square" lIns="444240" tIns="222120" rIns="444240" bIns="222120" anchor="t">
+            <a:spAutoFit/>
+          </a:bodyPr>
+          <a:lstStyle/>
+          <a:p>
+            <a:pPr algn="ctr"/>
+            <a:r>
+              <a:rPr lang="en-US" sz="4000" b="1" spc="-1" dirty="0" err="1">
+                <a:solidFill>
+                  <a:srgbClr val="FFFFFF"/>
+                </a:solidFill>
+                <a:latin typeface="Arial"/>
+              </a:rPr>
+              <a:t>pSUS</a:t>
+            </a:r>
+            <a:r>
+              <a:rPr lang="en-US" sz="4000" spc="-1" dirty="0">
+                <a:solidFill>
+                  <a:srgbClr val="FFFFFF"/>
+                </a:solidFill>
+                <a:latin typeface="Arial"/>
+              </a:rPr>
+              <a:t> symbolically compiles puzzle to SMT formula</a:t>
+            </a:r>
+            <a:endParaRPr lang="en-US" sz="4000" b="0" strike="noStrike" spc="-1" dirty="0">
+              <a:latin typeface="Arial"/>
+            </a:endParaRPr>
+          </a:p>
+        </p:txBody>
+      </p:sp>
+      <p:pic>
+        <p:nvPicPr>
+          <p:cNvPr id="1030" name="Picture 6" descr="UC Santa Barbara — Sprout Up">
+            <a:extLst>
+              <a:ext uri="{FF2B5EF4-FFF2-40B4-BE49-F238E27FC236}">
+                <a16:creationId xmlns:a16="http://schemas.microsoft.com/office/drawing/2014/main" id="{34F0B57E-51E9-4D1B-BC01-CC4AE5359999}"/>
+              </a:ext>
+            </a:extLst>
+          </p:cNvPr>
+          <p:cNvPicPr>
+            <a:picLocks noChangeAspect="1" noChangeArrowheads="1"/>
+          </p:cNvPicPr>
+          <p:nvPr/>
+        </p:nvPicPr>
+        <p:blipFill>
+          <a:blip r:embed="rId8">
+            <a:extLst>
+              <a:ext uri="{28A0092B-C50C-407E-A947-70E740481C1C}">
+                <a14:useLocalDpi xmlns:a14="http://schemas.microsoft.com/office/drawing/2010/main" val="0"/>
+              </a:ext>
+            </a:extLst>
+          </a:blip>
+          <a:srcRect/>
+          <a:stretch>
+            <a:fillRect/>
+          </a:stretch>
+        </p:blipFill>
+        <p:spPr bwMode="auto">
+          <a:xfrm>
+            <a:off x="1329687" y="562518"/>
+            <a:ext cx="2868513" cy="2868513"/>
+          </a:xfrm>
+          <a:prstGeom prst="rect">
+            <a:avLst/>
+          </a:prstGeom>
+          <a:noFill/>
+          <a:extLst>
+            <a:ext uri="{909E8E84-426E-40DD-AFC4-6F175D3DCCD1}">
+              <a14:hiddenFill xmlns:a14="http://schemas.microsoft.com/office/drawing/2010/main">
+                <a:solidFill>
+                  <a:srgbClr val="FFFFFF"/>
+                </a:solidFill>
+              </a14:hiddenFill>
+            </a:ext>
+          </a:extLst>
+        </p:spPr>
+      </p:pic>
+      <p:pic>
+        <p:nvPicPr>
+          <p:cNvPr id="1032" name="Picture 8" descr="UCSB Computer Science 3rd Annual End of Year Celebration | UCSB Computer  Science">
+            <a:extLst>
+              <a:ext uri="{FF2B5EF4-FFF2-40B4-BE49-F238E27FC236}">
+                <a16:creationId xmlns:a16="http://schemas.microsoft.com/office/drawing/2014/main" id="{9CC45A88-EFA6-4076-BE2E-2B41D7A50451}"/>
+              </a:ext>
+            </a:extLst>
+          </p:cNvPr>
+          <p:cNvPicPr>
+            <a:picLocks noChangeAspect="1" noChangeArrowheads="1"/>
+          </p:cNvPicPr>
+          <p:nvPr/>
+        </p:nvPicPr>
+        <p:blipFill>
+          <a:blip r:embed="rId9">
+            <a:extLst>
+              <a:ext uri="{28A0092B-C50C-407E-A947-70E740481C1C}">
+                <a14:useLocalDpi xmlns:a14="http://schemas.microsoft.com/office/drawing/2010/main" val="0"/>
+              </a:ext>
+            </a:extLst>
+          </a:blip>
+          <a:srcRect/>
+          <a:stretch>
+            <a:fillRect/>
+          </a:stretch>
+        </p:blipFill>
+        <p:spPr bwMode="auto">
+          <a:xfrm>
+            <a:off x="39693000" y="457589"/>
+            <a:ext cx="2868513" cy="2868513"/>
+          </a:xfrm>
+          <a:prstGeom prst="rect">
+            <a:avLst/>
+          </a:prstGeom>
+          <a:noFill/>
+          <a:extLst>
+            <a:ext uri="{909E8E84-426E-40DD-AFC4-6F175D3DCCD1}">
+              <a14:hiddenFill xmlns:a14="http://schemas.microsoft.com/office/drawing/2010/main">
+                <a:solidFill>
+                  <a:srgbClr val="FFFFFF"/>
+                </a:solidFill>
+              </a14:hiddenFill>
+            </a:ext>
+          </a:extLst>
+        </p:spPr>
+      </p:pic>
     </p:spTree>
   </p:cSld>
   <p:clrMapOvr>

--- a/poster/292C Project Poster.pptx
+++ b/poster/292C Project Poster.pptx
@@ -6379,7 +6379,16 @@
                 </a:solidFill>
                 <a:latin typeface="Arial"/>
               </a:rPr>
-              <a:t> symbolically compiles puzzle to SMT formula</a:t>
+              <a:t> compiles puzzle to </a:t>
+            </a:r>
+            <a:r>
+              <a:rPr lang="en-US" sz="4000" spc="-1">
+                <a:solidFill>
+                  <a:srgbClr val="FFFFFF"/>
+                </a:solidFill>
+                <a:latin typeface="Arial"/>
+              </a:rPr>
+              <a:t>SMT formula, passes to Z3</a:t>
             </a:r>
             <a:endParaRPr lang="en-US" sz="4000" b="0" strike="noStrike" spc="-1" dirty="0">
               <a:latin typeface="Arial"/>

--- a/poster/292C Project Poster.pptx
+++ b/poster/292C Project Poster.pptx
@@ -4519,7 +4519,7 @@
         </p:nvSpPr>
         <p:spPr>
           <a:xfrm>
-            <a:off x="504965" y="15350584"/>
+            <a:off x="503611" y="14795288"/>
             <a:ext cx="13713480" cy="1014209"/>
           </a:xfrm>
           <a:prstGeom prst="rect">
@@ -4714,7 +4714,7 @@
         </p:nvSpPr>
         <p:spPr>
           <a:xfrm>
-            <a:off x="453151" y="10903009"/>
+            <a:off x="134144" y="10652759"/>
             <a:ext cx="13779462" cy="4141897"/>
           </a:xfrm>
           <a:prstGeom prst="rect">
@@ -5053,8 +5053,8 @@
         </p:blipFill>
         <p:spPr>
           <a:xfrm>
-            <a:off x="1329687" y="16338569"/>
-            <a:ext cx="11753273" cy="14089064"/>
+            <a:off x="1148894" y="15676682"/>
+            <a:ext cx="12333908" cy="14785092"/>
           </a:xfrm>
           <a:prstGeom prst="rect">
             <a:avLst/>
@@ -6379,16 +6379,7 @@
                 </a:solidFill>
                 <a:latin typeface="Arial"/>
               </a:rPr>
-              <a:t> compiles puzzle to </a:t>
-            </a:r>
-            <a:r>
-              <a:rPr lang="en-US" sz="4000" spc="-1">
-                <a:solidFill>
-                  <a:srgbClr val="FFFFFF"/>
-                </a:solidFill>
-                <a:latin typeface="Arial"/>
-              </a:rPr>
-              <a:t>SMT formula, passes to Z3</a:t>
+              <a:t> compiles puzzle to SMT formula, passes to Z3</a:t>
             </a:r>
             <a:endParaRPr lang="en-US" sz="4000" b="0" strike="noStrike" spc="-1" dirty="0">
               <a:latin typeface="Arial"/>

--- a/poster/292C Project Poster.pptx
+++ b/poster/292C Project Poster.pptx
@@ -4637,7 +4637,7 @@
         </p:nvSpPr>
         <p:spPr>
           <a:xfrm>
-            <a:off x="29353680" y="12128927"/>
+            <a:off x="29353680" y="11922448"/>
             <a:ext cx="14537520" cy="2910791"/>
           </a:xfrm>
           <a:prstGeom prst="rect">
@@ -5605,17 +5605,691 @@
           </a:p>
         </p:txBody>
       </p:sp>
+      <p:sp>
+        <p:nvSpPr>
+          <p:cNvPr id="63" name="CustomShape 5">
+            <a:extLst>
+              <a:ext uri="{FF2B5EF4-FFF2-40B4-BE49-F238E27FC236}">
+                <a16:creationId xmlns:a16="http://schemas.microsoft.com/office/drawing/2014/main" id="{5A491563-33AD-95F9-E2B0-762F9ECC2D9A}"/>
+              </a:ext>
+            </a:extLst>
+          </p:cNvPr>
+          <p:cNvSpPr/>
+          <p:nvPr/>
+        </p:nvSpPr>
+        <p:spPr>
+          <a:xfrm>
+            <a:off x="29442960" y="27611769"/>
+            <a:ext cx="14537520" cy="2910791"/>
+          </a:xfrm>
+          <a:prstGeom prst="rect">
+            <a:avLst/>
+          </a:prstGeom>
+          <a:noFill/>
+          <a:ln>
+            <a:noFill/>
+          </a:ln>
+        </p:spPr>
+        <p:style>
+          <a:lnRef idx="0">
+            <a:scrgbClr r="0" g="0" b="0"/>
+          </a:lnRef>
+          <a:fillRef idx="0">
+            <a:scrgbClr r="0" g="0" b="0"/>
+          </a:fillRef>
+          <a:effectRef idx="0">
+            <a:scrgbClr r="0" g="0" b="0"/>
+          </a:effectRef>
+          <a:fontRef idx="minor"/>
+        </p:style>
+        <p:txBody>
+          <a:bodyPr wrap="square" lIns="444240" tIns="222120" rIns="444240" bIns="222120" anchor="t">
+            <a:spAutoFit/>
+          </a:bodyPr>
+          <a:lstStyle/>
+          <a:p>
+            <a:pPr algn="just"/>
+            <a:r>
+              <a:rPr lang="en-US" sz="4000" spc="-1" dirty="0">
+                <a:solidFill>
+                  <a:schemeClr val="bg1"/>
+                </a:solidFill>
+                <a:latin typeface="Arial"/>
+                <a:cs typeface="Arial"/>
+              </a:rPr>
+              <a:t>The number of operations Z3 executed to solve randomly generated puzzles increased with the </a:t>
+            </a:r>
+          </a:p>
+          <a:p>
+            <a:pPr marL="571500" indent="-571500" algn="just">
+              <a:buFont typeface="Arial" panose="020B0604020202020204" pitchFamily="34" charset="0"/>
+              <a:buChar char="•"/>
+            </a:pPr>
+            <a:r>
+              <a:rPr lang="en-US" sz="4000" spc="-1" dirty="0">
+                <a:solidFill>
+                  <a:schemeClr val="bg1"/>
+                </a:solidFill>
+                <a:latin typeface="Arial"/>
+                <a:cs typeface="Arial"/>
+              </a:rPr>
+              <a:t>number of holes in the puzzle (looks exponential)</a:t>
+            </a:r>
+          </a:p>
+          <a:p>
+            <a:pPr marL="571500" indent="-571500" algn="just">
+              <a:buFont typeface="Arial" panose="020B0604020202020204" pitchFamily="34" charset="0"/>
+              <a:buChar char="•"/>
+            </a:pPr>
+            <a:r>
+              <a:rPr lang="en-US" sz="4000" spc="-1" dirty="0">
+                <a:solidFill>
+                  <a:schemeClr val="bg1"/>
+                </a:solidFill>
+                <a:latin typeface="Arial"/>
+                <a:cs typeface="Arial"/>
+              </a:rPr>
+              <a:t>size of the puzzle (looks quadratic)</a:t>
+            </a:r>
+          </a:p>
+        </p:txBody>
+      </p:sp>
+      <p:sp>
+        <p:nvSpPr>
+          <p:cNvPr id="64" name="CustomShape 7">
+            <a:extLst>
+              <a:ext uri="{FF2B5EF4-FFF2-40B4-BE49-F238E27FC236}">
+                <a16:creationId xmlns:a16="http://schemas.microsoft.com/office/drawing/2014/main" id="{D7023E35-EF41-304F-BC0D-A9F747AA3506}"/>
+              </a:ext>
+            </a:extLst>
+          </p:cNvPr>
+          <p:cNvSpPr/>
+          <p:nvPr/>
+        </p:nvSpPr>
+        <p:spPr>
+          <a:xfrm>
+            <a:off x="110738" y="31340948"/>
+            <a:ext cx="44015806" cy="1014209"/>
+          </a:xfrm>
+          <a:prstGeom prst="rect">
+            <a:avLst/>
+          </a:prstGeom>
+          <a:noFill/>
+          <a:ln>
+            <a:noFill/>
+          </a:ln>
+        </p:spPr>
+        <p:style>
+          <a:lnRef idx="0">
+            <a:scrgbClr r="0" g="0" b="0"/>
+          </a:lnRef>
+          <a:fillRef idx="0">
+            <a:scrgbClr r="0" g="0" b="0"/>
+          </a:fillRef>
+          <a:effectRef idx="0">
+            <a:scrgbClr r="0" g="0" b="0"/>
+          </a:effectRef>
+          <a:fontRef idx="minor"/>
+        </p:style>
+        <p:txBody>
+          <a:bodyPr wrap="square" lIns="90000" tIns="45000" rIns="90000" bIns="45000" anchor="t">
+            <a:spAutoFit/>
+          </a:bodyPr>
+          <a:lstStyle/>
+          <a:p>
+            <a:pPr algn="ctr"/>
+            <a:r>
+              <a:rPr lang="en-US" sz="6000" spc="-1" dirty="0">
+                <a:solidFill>
+                  <a:srgbClr val="FFFFFF"/>
+                </a:solidFill>
+                <a:ea typeface="+mn-lt"/>
+                <a:cs typeface="+mn-lt"/>
+              </a:rPr>
+              <a:t>CMPSC 292C, Spring 22 | Acknowledgements: Professor Yu Feng</a:t>
+            </a:r>
+            <a:endParaRPr lang="en-US" sz="6000" b="0" strike="noStrike" spc="-1" dirty="0">
+              <a:solidFill>
+                <a:srgbClr val="FFFFFF"/>
+              </a:solidFill>
+              <a:ea typeface="+mn-lt"/>
+              <a:cs typeface="+mn-lt"/>
+            </a:endParaRPr>
+          </a:p>
+        </p:txBody>
+      </p:sp>
+      <p:sp>
+        <p:nvSpPr>
+          <p:cNvPr id="29" name="Rounded Rectangle 28">
+            <a:extLst>
+              <a:ext uri="{FF2B5EF4-FFF2-40B4-BE49-F238E27FC236}">
+                <a16:creationId xmlns:a16="http://schemas.microsoft.com/office/drawing/2014/main" id="{710CEA71-2D69-ACFB-F176-CD257D1C03F0}"/>
+              </a:ext>
+            </a:extLst>
+          </p:cNvPr>
+          <p:cNvSpPr/>
+          <p:nvPr/>
+        </p:nvSpPr>
+        <p:spPr>
+          <a:xfrm>
+            <a:off x="21130570" y="7372494"/>
+            <a:ext cx="1066325" cy="3492350"/>
+          </a:xfrm>
+          <a:prstGeom prst="roundRect">
+            <a:avLst/>
+          </a:prstGeom>
+          <a:noFill/>
+          <a:ln w="254000">
+            <a:solidFill>
+              <a:srgbClr val="FFC000"/>
+            </a:solidFill>
+          </a:ln>
+        </p:spPr>
+        <p:style>
+          <a:lnRef idx="2">
+            <a:schemeClr val="accent1">
+              <a:shade val="50000"/>
+            </a:schemeClr>
+          </a:lnRef>
+          <a:fillRef idx="1">
+            <a:schemeClr val="accent1"/>
+          </a:fillRef>
+          <a:effectRef idx="0">
+            <a:schemeClr val="accent1"/>
+          </a:effectRef>
+          <a:fontRef idx="minor">
+            <a:schemeClr val="lt1"/>
+          </a:fontRef>
+        </p:style>
+        <p:txBody>
+          <a:bodyPr rtlCol="0" anchor="ctr"/>
+          <a:lstStyle/>
+          <a:p>
+            <a:pPr algn="ctr"/>
+            <a:endParaRPr lang="en-US"/>
+          </a:p>
+        </p:txBody>
+      </p:sp>
+      <p:sp>
+        <p:nvSpPr>
+          <p:cNvPr id="65" name="Rounded Rectangle 64">
+            <a:extLst>
+              <a:ext uri="{FF2B5EF4-FFF2-40B4-BE49-F238E27FC236}">
+                <a16:creationId xmlns:a16="http://schemas.microsoft.com/office/drawing/2014/main" id="{2E02FB12-C8D5-2D4B-8791-AF573CC36C28}"/>
+              </a:ext>
+            </a:extLst>
+          </p:cNvPr>
+          <p:cNvSpPr/>
+          <p:nvPr/>
+        </p:nvSpPr>
+        <p:spPr>
+          <a:xfrm rot="16200000">
+            <a:off x="19160710" y="9823181"/>
+            <a:ext cx="1066325" cy="3039722"/>
+          </a:xfrm>
+          <a:prstGeom prst="roundRect">
+            <a:avLst/>
+          </a:prstGeom>
+          <a:noFill/>
+          <a:ln w="254000">
+            <a:solidFill>
+              <a:srgbClr val="92D050"/>
+            </a:solidFill>
+          </a:ln>
+        </p:spPr>
+        <p:style>
+          <a:lnRef idx="2">
+            <a:schemeClr val="accent1">
+              <a:shade val="50000"/>
+            </a:schemeClr>
+          </a:lnRef>
+          <a:fillRef idx="1">
+            <a:schemeClr val="accent1"/>
+          </a:fillRef>
+          <a:effectRef idx="0">
+            <a:schemeClr val="accent1"/>
+          </a:effectRef>
+          <a:fontRef idx="minor">
+            <a:schemeClr val="lt1"/>
+          </a:fontRef>
+        </p:style>
+        <p:txBody>
+          <a:bodyPr rtlCol="0" anchor="ctr"/>
+          <a:lstStyle/>
+          <a:p>
+            <a:pPr algn="ctr"/>
+            <a:endParaRPr lang="en-US"/>
+          </a:p>
+        </p:txBody>
+      </p:sp>
+      <p:sp>
+        <p:nvSpPr>
+          <p:cNvPr id="66" name="Rounded Rectangle 65">
+            <a:extLst>
+              <a:ext uri="{FF2B5EF4-FFF2-40B4-BE49-F238E27FC236}">
+                <a16:creationId xmlns:a16="http://schemas.microsoft.com/office/drawing/2014/main" id="{7C435140-CAB5-1957-64A4-B56C8C0D189D}"/>
+              </a:ext>
+            </a:extLst>
+          </p:cNvPr>
+          <p:cNvSpPr/>
+          <p:nvPr/>
+        </p:nvSpPr>
+        <p:spPr>
+          <a:xfrm rot="16200000">
+            <a:off x="21145500" y="6249120"/>
+            <a:ext cx="1066325" cy="1162095"/>
+          </a:xfrm>
+          <a:prstGeom prst="roundRect">
+            <a:avLst/>
+          </a:prstGeom>
+          <a:noFill/>
+          <a:ln w="254000">
+            <a:solidFill>
+              <a:srgbClr val="00B0F0"/>
+            </a:solidFill>
+          </a:ln>
+        </p:spPr>
+        <p:style>
+          <a:lnRef idx="2">
+            <a:schemeClr val="accent1">
+              <a:shade val="50000"/>
+            </a:schemeClr>
+          </a:lnRef>
+          <a:fillRef idx="1">
+            <a:schemeClr val="accent1"/>
+          </a:fillRef>
+          <a:effectRef idx="0">
+            <a:schemeClr val="accent1"/>
+          </a:effectRef>
+          <a:fontRef idx="minor">
+            <a:schemeClr val="lt1"/>
+          </a:fontRef>
+        </p:style>
+        <p:txBody>
+          <a:bodyPr rtlCol="0" anchor="ctr"/>
+          <a:lstStyle/>
+          <a:p>
+            <a:pPr algn="ctr"/>
+            <a:endParaRPr lang="en-US"/>
+          </a:p>
+        </p:txBody>
+      </p:sp>
+      <p:sp>
+        <p:nvSpPr>
+          <p:cNvPr id="67" name="Rounded Rectangle 66">
+            <a:extLst>
+              <a:ext uri="{FF2B5EF4-FFF2-40B4-BE49-F238E27FC236}">
+                <a16:creationId xmlns:a16="http://schemas.microsoft.com/office/drawing/2014/main" id="{F36AD861-B833-C535-49C8-BBA2BE3F04EE}"/>
+              </a:ext>
+            </a:extLst>
+          </p:cNvPr>
+          <p:cNvSpPr/>
+          <p:nvPr/>
+        </p:nvSpPr>
+        <p:spPr>
+          <a:xfrm rot="16200000">
+            <a:off x="21187410" y="10837361"/>
+            <a:ext cx="1066325" cy="1066326"/>
+          </a:xfrm>
+          <a:prstGeom prst="roundRect">
+            <a:avLst/>
+          </a:prstGeom>
+          <a:noFill/>
+          <a:ln w="254000">
+            <a:solidFill>
+              <a:srgbClr val="00B0F0"/>
+            </a:solidFill>
+          </a:ln>
+        </p:spPr>
+        <p:style>
+          <a:lnRef idx="2">
+            <a:schemeClr val="accent1">
+              <a:shade val="50000"/>
+            </a:schemeClr>
+          </a:lnRef>
+          <a:fillRef idx="1">
+            <a:schemeClr val="accent1"/>
+          </a:fillRef>
+          <a:effectRef idx="0">
+            <a:schemeClr val="accent1"/>
+          </a:effectRef>
+          <a:fontRef idx="minor">
+            <a:schemeClr val="lt1"/>
+          </a:fontRef>
+        </p:style>
+        <p:txBody>
+          <a:bodyPr rtlCol="0" anchor="ctr"/>
+          <a:lstStyle/>
+          <a:p>
+            <a:pPr algn="ctr"/>
+            <a:endParaRPr lang="en-US"/>
+          </a:p>
+        </p:txBody>
+      </p:sp>
+      <p:sp>
+        <p:nvSpPr>
+          <p:cNvPr id="56" name="TextBox 55">
+            <a:extLst>
+              <a:ext uri="{FF2B5EF4-FFF2-40B4-BE49-F238E27FC236}">
+                <a16:creationId xmlns:a16="http://schemas.microsoft.com/office/drawing/2014/main" id="{2EC09954-95AA-44B1-A3A8-6DAE47E8EE97}"/>
+              </a:ext>
+            </a:extLst>
+          </p:cNvPr>
+          <p:cNvSpPr txBox="1"/>
+          <p:nvPr/>
+        </p:nvSpPr>
+        <p:spPr>
+          <a:xfrm>
+            <a:off x="22784988" y="6231825"/>
+            <a:ext cx="6365065" cy="5632311"/>
+          </a:xfrm>
+          <a:prstGeom prst="rect">
+            <a:avLst/>
+          </a:prstGeom>
+          <a:noFill/>
+        </p:spPr>
+        <p:txBody>
+          <a:bodyPr wrap="square" rtlCol="0">
+            <a:spAutoFit/>
+          </a:bodyPr>
+          <a:lstStyle/>
+          <a:p>
+            <a:r>
+              <a:rPr lang="en-US" sz="6000" dirty="0">
+                <a:solidFill>
+                  <a:schemeClr val="bg1"/>
+                </a:solidFill>
+                <a:latin typeface="Consolas" panose="020B0609020204030204" pitchFamily="49" charset="0"/>
+                <a:cs typeface="Consolas" panose="020B0609020204030204" pitchFamily="49" charset="0"/>
+              </a:rPr>
+              <a:t>            19</a:t>
+            </a:r>
+          </a:p>
+          <a:p>
+            <a:r>
+              <a:rPr lang="en-US" sz="6000" dirty="0">
+                <a:solidFill>
+                  <a:schemeClr val="bg1"/>
+                </a:solidFill>
+                <a:latin typeface="Consolas" panose="020B0609020204030204" pitchFamily="49" charset="0"/>
+                <a:cs typeface="Consolas" panose="020B0609020204030204" pitchFamily="49" charset="0"/>
+              </a:rPr>
+              <a:t> _  _  6  _ 19</a:t>
+            </a:r>
+          </a:p>
+          <a:p>
+            <a:r>
+              <a:rPr lang="en-US" sz="6000" dirty="0">
+                <a:solidFill>
+                  <a:schemeClr val="bg1"/>
+                </a:solidFill>
+                <a:latin typeface="Consolas" panose="020B0609020204030204" pitchFamily="49" charset="0"/>
+                <a:cs typeface="Consolas" panose="020B0609020204030204" pitchFamily="49" charset="0"/>
+              </a:rPr>
+              <a:t> 6  _  _  _ 19</a:t>
+            </a:r>
+          </a:p>
+          <a:p>
+            <a:r>
+              <a:rPr lang="en-US" sz="6000" dirty="0">
+                <a:solidFill>
+                  <a:schemeClr val="bg1"/>
+                </a:solidFill>
+                <a:latin typeface="Consolas" panose="020B0609020204030204" pitchFamily="49" charset="0"/>
+                <a:cs typeface="Consolas" panose="020B0609020204030204" pitchFamily="49" charset="0"/>
+              </a:rPr>
+              <a:t> _  6  _  _ 19</a:t>
+            </a:r>
+          </a:p>
+          <a:p>
+            <a:r>
+              <a:rPr lang="en-US" sz="6000" dirty="0">
+                <a:solidFill>
+                  <a:schemeClr val="bg1"/>
+                </a:solidFill>
+                <a:latin typeface="Consolas" panose="020B0609020204030204" pitchFamily="49" charset="0"/>
+                <a:cs typeface="Consolas" panose="020B0609020204030204" pitchFamily="49" charset="0"/>
+              </a:rPr>
+              <a:t> _  _  _  6 19</a:t>
+            </a:r>
+          </a:p>
+          <a:p>
+            <a:r>
+              <a:rPr lang="en-US" sz="6000" dirty="0">
+                <a:solidFill>
+                  <a:schemeClr val="bg1"/>
+                </a:solidFill>
+                <a:latin typeface="Consolas" panose="020B0609020204030204" pitchFamily="49" charset="0"/>
+                <a:cs typeface="Consolas" panose="020B0609020204030204" pitchFamily="49" charset="0"/>
+              </a:rPr>
+              <a:t>19 19 19 19 19</a:t>
+            </a:r>
+          </a:p>
+        </p:txBody>
+      </p:sp>
+      <p:sp>
+        <p:nvSpPr>
+          <p:cNvPr id="2" name="TextBox 1">
+            <a:extLst>
+              <a:ext uri="{FF2B5EF4-FFF2-40B4-BE49-F238E27FC236}">
+                <a16:creationId xmlns:a16="http://schemas.microsoft.com/office/drawing/2014/main" id="{59AA1CA8-C6C6-4DAE-868D-644B57ECF232}"/>
+              </a:ext>
+            </a:extLst>
+          </p:cNvPr>
+          <p:cNvSpPr txBox="1"/>
+          <p:nvPr/>
+        </p:nvSpPr>
+        <p:spPr>
+          <a:xfrm>
+            <a:off x="15158958" y="16144023"/>
+            <a:ext cx="12595115" cy="6186309"/>
+          </a:xfrm>
+          <a:prstGeom prst="rect">
+            <a:avLst/>
+          </a:prstGeom>
+          <a:noFill/>
+        </p:spPr>
+        <p:txBody>
+          <a:bodyPr wrap="none" rtlCol="0">
+            <a:spAutoFit/>
+          </a:bodyPr>
+          <a:lstStyle/>
+          <a:p>
+            <a:r>
+              <a:rPr lang="en-US" sz="3600" dirty="0">
+                <a:solidFill>
+                  <a:schemeClr val="bg1"/>
+                </a:solidFill>
+                <a:latin typeface="Consolas" panose="020B0609020204030204" pitchFamily="49" charset="0"/>
+              </a:rPr>
+              <a:t>; part of entry clause</a:t>
+            </a:r>
+          </a:p>
+          <a:p>
+            <a:r>
+              <a:rPr lang="en-US" sz="3600" dirty="0">
+                <a:solidFill>
+                  <a:schemeClr val="bg1"/>
+                </a:solidFill>
+                <a:latin typeface="Consolas" panose="020B0609020204030204" pitchFamily="49" charset="0"/>
+              </a:rPr>
+              <a:t>; declaration for an entry at (2, 2) with value 5</a:t>
+            </a:r>
+          </a:p>
+          <a:p>
+            <a:r>
+              <a:rPr lang="en-US" sz="3600" dirty="0">
+                <a:solidFill>
+                  <a:schemeClr val="bg1"/>
+                </a:solidFill>
+                <a:latin typeface="Consolas" panose="020B0609020204030204" pitchFamily="49" charset="0"/>
+              </a:rPr>
+              <a:t>(declare-const x_2_2 Int)</a:t>
+            </a:r>
+          </a:p>
+          <a:p>
+            <a:r>
+              <a:rPr lang="en-US" sz="3600" dirty="0">
+                <a:solidFill>
+                  <a:schemeClr val="bg1"/>
+                </a:solidFill>
+                <a:latin typeface="Consolas" panose="020B0609020204030204" pitchFamily="49" charset="0"/>
+              </a:rPr>
+              <a:t>(assert (= x 5))</a:t>
+            </a:r>
+          </a:p>
+          <a:p>
+            <a:endParaRPr lang="en-US" sz="3600" dirty="0">
+              <a:solidFill>
+                <a:schemeClr val="bg1"/>
+              </a:solidFill>
+              <a:latin typeface="Consolas" panose="020B0609020204030204" pitchFamily="49" charset="0"/>
+            </a:endParaRPr>
+          </a:p>
+          <a:p>
+            <a:r>
+              <a:rPr lang="en-US" sz="3600" dirty="0">
+                <a:solidFill>
+                  <a:schemeClr val="bg1"/>
+                </a:solidFill>
+                <a:latin typeface="Consolas" panose="020B0609020204030204" pitchFamily="49" charset="0"/>
+              </a:rPr>
+              <a:t>; declaration for a hole at (2, 3)</a:t>
+            </a:r>
+          </a:p>
+          <a:p>
+            <a:r>
+              <a:rPr lang="en-US" sz="3600" dirty="0">
+                <a:solidFill>
+                  <a:schemeClr val="bg1"/>
+                </a:solidFill>
+                <a:latin typeface="Consolas" panose="020B0609020204030204" pitchFamily="49" charset="0"/>
+              </a:rPr>
+              <a:t>(declare-const x_2_3 Int)</a:t>
+            </a:r>
+          </a:p>
+          <a:p>
+            <a:r>
+              <a:rPr lang="en-US" sz="3600" dirty="0">
+                <a:solidFill>
+                  <a:schemeClr val="bg1"/>
+                </a:solidFill>
+                <a:latin typeface="Consolas" panose="020B0609020204030204" pitchFamily="49" charset="0"/>
+              </a:rPr>
+              <a:t>(assert (and (&gt;= x_2_3 1) (&lt;= x_2_3 9)))</a:t>
+            </a:r>
+          </a:p>
+          <a:p>
+            <a:endParaRPr lang="en-US" sz="3600" dirty="0">
+              <a:solidFill>
+                <a:schemeClr val="bg1"/>
+              </a:solidFill>
+              <a:latin typeface="Consolas" panose="020B0609020204030204" pitchFamily="49" charset="0"/>
+            </a:endParaRPr>
+          </a:p>
+          <a:p>
+            <a:r>
+              <a:rPr lang="en-US" sz="3600" dirty="0">
+                <a:solidFill>
+                  <a:schemeClr val="bg1"/>
+                </a:solidFill>
+                <a:latin typeface="Consolas" panose="020B0609020204030204" pitchFamily="49" charset="0"/>
+              </a:rPr>
+              <a:t>; part of row clause</a:t>
+            </a:r>
+          </a:p>
+          <a:p>
+            <a:r>
+              <a:rPr lang="en-US" sz="3600" dirty="0">
+                <a:solidFill>
+                  <a:schemeClr val="bg1"/>
+                </a:solidFill>
+                <a:latin typeface="Consolas" panose="020B0609020204030204" pitchFamily="49" charset="0"/>
+              </a:rPr>
+              <a:t>(assert (= (+ ... x_2_2 x_2_3 ...) 17))</a:t>
+            </a:r>
+          </a:p>
+        </p:txBody>
+      </p:sp>
+      <p:sp>
+        <p:nvSpPr>
+          <p:cNvPr id="58" name="CustomShape 5">
+            <a:extLst>
+              <a:ext uri="{FF2B5EF4-FFF2-40B4-BE49-F238E27FC236}">
+                <a16:creationId xmlns:a16="http://schemas.microsoft.com/office/drawing/2014/main" id="{CE8AE3C6-C294-4AAE-9D67-DECB169FA6E0}"/>
+              </a:ext>
+            </a:extLst>
+          </p:cNvPr>
+          <p:cNvSpPr/>
+          <p:nvPr/>
+        </p:nvSpPr>
+        <p:spPr>
+          <a:xfrm>
+            <a:off x="14989529" y="22354766"/>
+            <a:ext cx="14178392" cy="1064131"/>
+          </a:xfrm>
+          <a:prstGeom prst="rect">
+            <a:avLst/>
+          </a:prstGeom>
+          <a:noFill/>
+          <a:ln>
+            <a:noFill/>
+          </a:ln>
+        </p:spPr>
+        <p:style>
+          <a:lnRef idx="0">
+            <a:scrgbClr r="0" g="0" b="0"/>
+          </a:lnRef>
+          <a:fillRef idx="0">
+            <a:scrgbClr r="0" g="0" b="0"/>
+          </a:fillRef>
+          <a:effectRef idx="0">
+            <a:scrgbClr r="0" g="0" b="0"/>
+          </a:effectRef>
+          <a:fontRef idx="minor"/>
+        </p:style>
+        <p:txBody>
+          <a:bodyPr wrap="square" lIns="444240" tIns="222120" rIns="444240" bIns="222120" anchor="t">
+            <a:spAutoFit/>
+          </a:bodyPr>
+          <a:lstStyle/>
+          <a:p>
+            <a:pPr algn="ctr"/>
+            <a:r>
+              <a:rPr lang="en-US" sz="4000" b="1" spc="-1" dirty="0" err="1">
+                <a:solidFill>
+                  <a:srgbClr val="FFFFFF"/>
+                </a:solidFill>
+                <a:latin typeface="Arial"/>
+              </a:rPr>
+              <a:t>pSUS</a:t>
+            </a:r>
+            <a:r>
+              <a:rPr lang="en-US" sz="4000" spc="-1" dirty="0">
+                <a:solidFill>
+                  <a:srgbClr val="FFFFFF"/>
+                </a:solidFill>
+                <a:latin typeface="Arial"/>
+              </a:rPr>
+              <a:t> compiles puzzle to SMT formula, passes to Z3</a:t>
+            </a:r>
+            <a:endParaRPr lang="en-US" sz="4000" b="0" strike="noStrike" spc="-1" dirty="0">
+              <a:latin typeface="Arial"/>
+            </a:endParaRPr>
+          </a:p>
+        </p:txBody>
+      </p:sp>
       <p:pic>
         <p:nvPicPr>
-          <p:cNvPr id="20" name="Picture 19" descr="A picture containing chart&#10;&#10;Description automatically generated">
+          <p:cNvPr id="1030" name="Picture 6" descr="UC Santa Barbara — Sprout Up">
             <a:extLst>
               <a:ext uri="{FF2B5EF4-FFF2-40B4-BE49-F238E27FC236}">
-                <a16:creationId xmlns:a16="http://schemas.microsoft.com/office/drawing/2014/main" id="{32D0CBB5-E40F-4E2D-1FCE-80CB4E75ECF7}"/>
+                <a16:creationId xmlns:a16="http://schemas.microsoft.com/office/drawing/2014/main" id="{34F0B57E-51E9-4D1B-BC01-CC4AE5359999}"/>
               </a:ext>
             </a:extLst>
           </p:cNvPr>
           <p:cNvPicPr>
-            <a:picLocks noChangeAspect="1"/>
+            <a:picLocks noChangeAspect="1" noChangeArrowheads="1"/>
           </p:cNvPicPr>
           <p:nvPr/>
         </p:nvPicPr>
@@ -5627,31 +6301,42 @@
               </a:ext>
             </a:extLst>
           </a:blip>
+          <a:srcRect/>
           <a:stretch>
             <a:fillRect/>
           </a:stretch>
         </p:blipFill>
-        <p:spPr>
-          <a:xfrm>
-            <a:off x="31894913" y="5230666"/>
-            <a:ext cx="9220421" cy="6915316"/>
+        <p:spPr bwMode="auto">
+          <a:xfrm>
+            <a:off x="1329687" y="562518"/>
+            <a:ext cx="2868513" cy="2868513"/>
           </a:xfrm>
           <a:prstGeom prst="rect">
             <a:avLst/>
           </a:prstGeom>
+          <a:noFill/>
+          <a:extLst>
+            <a:ext uri="{909E8E84-426E-40DD-AFC4-6F175D3DCCD1}">
+              <a14:hiddenFill xmlns:a14="http://schemas.microsoft.com/office/drawing/2010/main">
+                <a:solidFill>
+                  <a:srgbClr val="FFFFFF"/>
+                </a:solidFill>
+              </a14:hiddenFill>
+            </a:ext>
+          </a:extLst>
         </p:spPr>
       </p:pic>
       <p:pic>
         <p:nvPicPr>
-          <p:cNvPr id="22" name="Picture 21" descr="Chart&#10;&#10;Description automatically generated">
+          <p:cNvPr id="1032" name="Picture 8" descr="UCSB Computer Science 3rd Annual End of Year Celebration | UCSB Computer  Science">
             <a:extLst>
               <a:ext uri="{FF2B5EF4-FFF2-40B4-BE49-F238E27FC236}">
-                <a16:creationId xmlns:a16="http://schemas.microsoft.com/office/drawing/2014/main" id="{E07A8DC4-D9AF-1C6E-4B9D-32EFBC045B73}"/>
+                <a16:creationId xmlns:a16="http://schemas.microsoft.com/office/drawing/2014/main" id="{9CC45A88-EFA6-4076-BE2E-2B41D7A50451}"/>
               </a:ext>
             </a:extLst>
           </p:cNvPr>
           <p:cNvPicPr>
-            <a:picLocks noChangeAspect="1"/>
+            <a:picLocks noChangeAspect="1" noChangeArrowheads="1"/>
           </p:cNvPicPr>
           <p:nvPr/>
         </p:nvPicPr>
@@ -5663,26 +6348,37 @@
               </a:ext>
             </a:extLst>
           </a:blip>
+          <a:srcRect/>
           <a:stretch>
             <a:fillRect/>
           </a:stretch>
         </p:blipFill>
-        <p:spPr>
-          <a:xfrm>
-            <a:off x="31911015" y="14547149"/>
-            <a:ext cx="9204307" cy="6903231"/>
+        <p:spPr bwMode="auto">
+          <a:xfrm>
+            <a:off x="39693000" y="457589"/>
+            <a:ext cx="2868513" cy="2868513"/>
           </a:xfrm>
           <a:prstGeom prst="rect">
             <a:avLst/>
           </a:prstGeom>
+          <a:noFill/>
+          <a:extLst>
+            <a:ext uri="{909E8E84-426E-40DD-AFC4-6F175D3DCCD1}">
+              <a14:hiddenFill xmlns:a14="http://schemas.microsoft.com/office/drawing/2010/main">
+                <a:solidFill>
+                  <a:srgbClr val="FFFFFF"/>
+                </a:solidFill>
+              </a14:hiddenFill>
+            </a:ext>
+          </a:extLst>
         </p:spPr>
       </p:pic>
       <p:pic>
         <p:nvPicPr>
-          <p:cNvPr id="24" name="Picture 23" descr="Chart, scatter chart&#10;&#10;Description automatically generated">
+          <p:cNvPr id="10" name="Picture 9" descr="A picture containing background pattern&#10;&#10;Description automatically generated">
             <a:extLst>
               <a:ext uri="{FF2B5EF4-FFF2-40B4-BE49-F238E27FC236}">
-                <a16:creationId xmlns:a16="http://schemas.microsoft.com/office/drawing/2014/main" id="{A4E5872D-E57A-005D-8852-C1766B2B8CC6}"/>
+                <a16:creationId xmlns:a16="http://schemas.microsoft.com/office/drawing/2014/main" id="{EE3450BB-1FD4-400F-9F1C-5C609234E52A}"/>
               </a:ext>
             </a:extLst>
           </p:cNvPr>
@@ -5705,699 +6401,25 @@
         </p:blipFill>
         <p:spPr>
           <a:xfrm>
-            <a:off x="31894913" y="20904631"/>
-            <a:ext cx="9220409" cy="6915307"/>
+            <a:off x="29407147" y="5033434"/>
+            <a:ext cx="14573333" cy="7286667"/>
           </a:xfrm>
           <a:prstGeom prst="rect">
             <a:avLst/>
           </a:prstGeom>
         </p:spPr>
       </p:pic>
-      <p:sp>
-        <p:nvSpPr>
-          <p:cNvPr id="63" name="CustomShape 5">
+      <p:pic>
+        <p:nvPicPr>
+          <p:cNvPr id="12" name="Picture 11" descr="A screenshot of a computer&#10;&#10;Description automatically generated with medium confidence">
             <a:extLst>
               <a:ext uri="{FF2B5EF4-FFF2-40B4-BE49-F238E27FC236}">
-                <a16:creationId xmlns:a16="http://schemas.microsoft.com/office/drawing/2014/main" id="{5A491563-33AD-95F9-E2B0-762F9ECC2D9A}"/>
-              </a:ext>
-            </a:extLst>
-          </p:cNvPr>
-          <p:cNvSpPr/>
-          <p:nvPr/>
-        </p:nvSpPr>
-        <p:spPr>
-          <a:xfrm>
-            <a:off x="29442960" y="27582272"/>
-            <a:ext cx="14537520" cy="2910791"/>
-          </a:xfrm>
-          <a:prstGeom prst="rect">
-            <a:avLst/>
-          </a:prstGeom>
-          <a:noFill/>
-          <a:ln>
-            <a:noFill/>
-          </a:ln>
-        </p:spPr>
-        <p:style>
-          <a:lnRef idx="0">
-            <a:scrgbClr r="0" g="0" b="0"/>
-          </a:lnRef>
-          <a:fillRef idx="0">
-            <a:scrgbClr r="0" g="0" b="0"/>
-          </a:fillRef>
-          <a:effectRef idx="0">
-            <a:scrgbClr r="0" g="0" b="0"/>
-          </a:effectRef>
-          <a:fontRef idx="minor"/>
-        </p:style>
-        <p:txBody>
-          <a:bodyPr wrap="square" lIns="444240" tIns="222120" rIns="444240" bIns="222120" anchor="t">
-            <a:spAutoFit/>
-          </a:bodyPr>
-          <a:lstStyle/>
-          <a:p>
-            <a:pPr algn="just"/>
-            <a:r>
-              <a:rPr lang="en-US" sz="4000" spc="-1" dirty="0">
-                <a:solidFill>
-                  <a:schemeClr val="bg1"/>
-                </a:solidFill>
-                <a:latin typeface="Arial"/>
-                <a:cs typeface="Arial"/>
-              </a:rPr>
-              <a:t>The number of operations Z3 executed to solve randomly generated puzzles increased with the </a:t>
-            </a:r>
-          </a:p>
-          <a:p>
-            <a:pPr marL="571500" indent="-571500" algn="just">
-              <a:buFont typeface="Arial" panose="020B0604020202020204" pitchFamily="34" charset="0"/>
-              <a:buChar char="•"/>
-            </a:pPr>
-            <a:r>
-              <a:rPr lang="en-US" sz="4000" spc="-1" dirty="0">
-                <a:solidFill>
-                  <a:schemeClr val="bg1"/>
-                </a:solidFill>
-                <a:latin typeface="Arial"/>
-                <a:cs typeface="Arial"/>
-              </a:rPr>
-              <a:t>number of holes in the puzzle (looks exponential)</a:t>
-            </a:r>
-          </a:p>
-          <a:p>
-            <a:pPr marL="571500" indent="-571500" algn="just">
-              <a:buFont typeface="Arial" panose="020B0604020202020204" pitchFamily="34" charset="0"/>
-              <a:buChar char="•"/>
-            </a:pPr>
-            <a:r>
-              <a:rPr lang="en-US" sz="4000" spc="-1" dirty="0">
-                <a:solidFill>
-                  <a:schemeClr val="bg1"/>
-                </a:solidFill>
-                <a:latin typeface="Arial"/>
-                <a:cs typeface="Arial"/>
-              </a:rPr>
-              <a:t>size of the puzzle (looks quadratic)</a:t>
-            </a:r>
-          </a:p>
-        </p:txBody>
-      </p:sp>
-      <p:sp>
-        <p:nvSpPr>
-          <p:cNvPr id="64" name="CustomShape 7">
-            <a:extLst>
-              <a:ext uri="{FF2B5EF4-FFF2-40B4-BE49-F238E27FC236}">
-                <a16:creationId xmlns:a16="http://schemas.microsoft.com/office/drawing/2014/main" id="{D7023E35-EF41-304F-BC0D-A9F747AA3506}"/>
-              </a:ext>
-            </a:extLst>
-          </p:cNvPr>
-          <p:cNvSpPr/>
-          <p:nvPr/>
-        </p:nvSpPr>
-        <p:spPr>
-          <a:xfrm>
-            <a:off x="110738" y="31340948"/>
-            <a:ext cx="44015806" cy="1014209"/>
-          </a:xfrm>
-          <a:prstGeom prst="rect">
-            <a:avLst/>
-          </a:prstGeom>
-          <a:noFill/>
-          <a:ln>
-            <a:noFill/>
-          </a:ln>
-        </p:spPr>
-        <p:style>
-          <a:lnRef idx="0">
-            <a:scrgbClr r="0" g="0" b="0"/>
-          </a:lnRef>
-          <a:fillRef idx="0">
-            <a:scrgbClr r="0" g="0" b="0"/>
-          </a:fillRef>
-          <a:effectRef idx="0">
-            <a:scrgbClr r="0" g="0" b="0"/>
-          </a:effectRef>
-          <a:fontRef idx="minor"/>
-        </p:style>
-        <p:txBody>
-          <a:bodyPr wrap="square" lIns="90000" tIns="45000" rIns="90000" bIns="45000" anchor="t">
-            <a:spAutoFit/>
-          </a:bodyPr>
-          <a:lstStyle/>
-          <a:p>
-            <a:pPr algn="ctr"/>
-            <a:r>
-              <a:rPr lang="en-US" sz="6000" spc="-1" dirty="0">
-                <a:solidFill>
-                  <a:srgbClr val="FFFFFF"/>
-                </a:solidFill>
-                <a:ea typeface="+mn-lt"/>
-                <a:cs typeface="+mn-lt"/>
-              </a:rPr>
-              <a:t>CMPSC 292C, Spring 22 | Acknowledgements: Professor Yu Feng</a:t>
-            </a:r>
-            <a:endParaRPr lang="en-US" sz="6000" b="0" strike="noStrike" spc="-1" dirty="0">
-              <a:solidFill>
-                <a:srgbClr val="FFFFFF"/>
-              </a:solidFill>
-              <a:ea typeface="+mn-lt"/>
-              <a:cs typeface="+mn-lt"/>
-            </a:endParaRPr>
-          </a:p>
-        </p:txBody>
-      </p:sp>
-      <p:sp>
-        <p:nvSpPr>
-          <p:cNvPr id="29" name="Rounded Rectangle 28">
-            <a:extLst>
-              <a:ext uri="{FF2B5EF4-FFF2-40B4-BE49-F238E27FC236}">
-                <a16:creationId xmlns:a16="http://schemas.microsoft.com/office/drawing/2014/main" id="{710CEA71-2D69-ACFB-F176-CD257D1C03F0}"/>
-              </a:ext>
-            </a:extLst>
-          </p:cNvPr>
-          <p:cNvSpPr/>
-          <p:nvPr/>
-        </p:nvSpPr>
-        <p:spPr>
-          <a:xfrm>
-            <a:off x="21130570" y="7372494"/>
-            <a:ext cx="1066325" cy="3492350"/>
-          </a:xfrm>
-          <a:prstGeom prst="roundRect">
-            <a:avLst/>
-          </a:prstGeom>
-          <a:noFill/>
-          <a:ln w="254000">
-            <a:solidFill>
-              <a:srgbClr val="FFC000"/>
-            </a:solidFill>
-          </a:ln>
-        </p:spPr>
-        <p:style>
-          <a:lnRef idx="2">
-            <a:schemeClr val="accent1">
-              <a:shade val="50000"/>
-            </a:schemeClr>
-          </a:lnRef>
-          <a:fillRef idx="1">
-            <a:schemeClr val="accent1"/>
-          </a:fillRef>
-          <a:effectRef idx="0">
-            <a:schemeClr val="accent1"/>
-          </a:effectRef>
-          <a:fontRef idx="minor">
-            <a:schemeClr val="lt1"/>
-          </a:fontRef>
-        </p:style>
-        <p:txBody>
-          <a:bodyPr rtlCol="0" anchor="ctr"/>
-          <a:lstStyle/>
-          <a:p>
-            <a:pPr algn="ctr"/>
-            <a:endParaRPr lang="en-US"/>
-          </a:p>
-        </p:txBody>
-      </p:sp>
-      <p:sp>
-        <p:nvSpPr>
-          <p:cNvPr id="65" name="Rounded Rectangle 64">
-            <a:extLst>
-              <a:ext uri="{FF2B5EF4-FFF2-40B4-BE49-F238E27FC236}">
-                <a16:creationId xmlns:a16="http://schemas.microsoft.com/office/drawing/2014/main" id="{2E02FB12-C8D5-2D4B-8791-AF573CC36C28}"/>
-              </a:ext>
-            </a:extLst>
-          </p:cNvPr>
-          <p:cNvSpPr/>
-          <p:nvPr/>
-        </p:nvSpPr>
-        <p:spPr>
-          <a:xfrm rot="16200000">
-            <a:off x="19160710" y="9823181"/>
-            <a:ext cx="1066325" cy="3039722"/>
-          </a:xfrm>
-          <a:prstGeom prst="roundRect">
-            <a:avLst/>
-          </a:prstGeom>
-          <a:noFill/>
-          <a:ln w="254000">
-            <a:solidFill>
-              <a:srgbClr val="92D050"/>
-            </a:solidFill>
-          </a:ln>
-        </p:spPr>
-        <p:style>
-          <a:lnRef idx="2">
-            <a:schemeClr val="accent1">
-              <a:shade val="50000"/>
-            </a:schemeClr>
-          </a:lnRef>
-          <a:fillRef idx="1">
-            <a:schemeClr val="accent1"/>
-          </a:fillRef>
-          <a:effectRef idx="0">
-            <a:schemeClr val="accent1"/>
-          </a:effectRef>
-          <a:fontRef idx="minor">
-            <a:schemeClr val="lt1"/>
-          </a:fontRef>
-        </p:style>
-        <p:txBody>
-          <a:bodyPr rtlCol="0" anchor="ctr"/>
-          <a:lstStyle/>
-          <a:p>
-            <a:pPr algn="ctr"/>
-            <a:endParaRPr lang="en-US"/>
-          </a:p>
-        </p:txBody>
-      </p:sp>
-      <p:sp>
-        <p:nvSpPr>
-          <p:cNvPr id="66" name="Rounded Rectangle 65">
-            <a:extLst>
-              <a:ext uri="{FF2B5EF4-FFF2-40B4-BE49-F238E27FC236}">
-                <a16:creationId xmlns:a16="http://schemas.microsoft.com/office/drawing/2014/main" id="{7C435140-CAB5-1957-64A4-B56C8C0D189D}"/>
-              </a:ext>
-            </a:extLst>
-          </p:cNvPr>
-          <p:cNvSpPr/>
-          <p:nvPr/>
-        </p:nvSpPr>
-        <p:spPr>
-          <a:xfrm rot="16200000">
-            <a:off x="21145500" y="6249120"/>
-            <a:ext cx="1066325" cy="1162095"/>
-          </a:xfrm>
-          <a:prstGeom prst="roundRect">
-            <a:avLst/>
-          </a:prstGeom>
-          <a:noFill/>
-          <a:ln w="254000">
-            <a:solidFill>
-              <a:srgbClr val="00B0F0"/>
-            </a:solidFill>
-          </a:ln>
-        </p:spPr>
-        <p:style>
-          <a:lnRef idx="2">
-            <a:schemeClr val="accent1">
-              <a:shade val="50000"/>
-            </a:schemeClr>
-          </a:lnRef>
-          <a:fillRef idx="1">
-            <a:schemeClr val="accent1"/>
-          </a:fillRef>
-          <a:effectRef idx="0">
-            <a:schemeClr val="accent1"/>
-          </a:effectRef>
-          <a:fontRef idx="minor">
-            <a:schemeClr val="lt1"/>
-          </a:fontRef>
-        </p:style>
-        <p:txBody>
-          <a:bodyPr rtlCol="0" anchor="ctr"/>
-          <a:lstStyle/>
-          <a:p>
-            <a:pPr algn="ctr"/>
-            <a:endParaRPr lang="en-US"/>
-          </a:p>
-        </p:txBody>
-      </p:sp>
-      <p:sp>
-        <p:nvSpPr>
-          <p:cNvPr id="67" name="Rounded Rectangle 66">
-            <a:extLst>
-              <a:ext uri="{FF2B5EF4-FFF2-40B4-BE49-F238E27FC236}">
-                <a16:creationId xmlns:a16="http://schemas.microsoft.com/office/drawing/2014/main" id="{F36AD861-B833-C535-49C8-BBA2BE3F04EE}"/>
-              </a:ext>
-            </a:extLst>
-          </p:cNvPr>
-          <p:cNvSpPr/>
-          <p:nvPr/>
-        </p:nvSpPr>
-        <p:spPr>
-          <a:xfrm rot="16200000">
-            <a:off x="21187410" y="10837361"/>
-            <a:ext cx="1066325" cy="1066326"/>
-          </a:xfrm>
-          <a:prstGeom prst="roundRect">
-            <a:avLst/>
-          </a:prstGeom>
-          <a:noFill/>
-          <a:ln w="254000">
-            <a:solidFill>
-              <a:srgbClr val="00B0F0"/>
-            </a:solidFill>
-          </a:ln>
-        </p:spPr>
-        <p:style>
-          <a:lnRef idx="2">
-            <a:schemeClr val="accent1">
-              <a:shade val="50000"/>
-            </a:schemeClr>
-          </a:lnRef>
-          <a:fillRef idx="1">
-            <a:schemeClr val="accent1"/>
-          </a:fillRef>
-          <a:effectRef idx="0">
-            <a:schemeClr val="accent1"/>
-          </a:effectRef>
-          <a:fontRef idx="minor">
-            <a:schemeClr val="lt1"/>
-          </a:fontRef>
-        </p:style>
-        <p:txBody>
-          <a:bodyPr rtlCol="0" anchor="ctr"/>
-          <a:lstStyle/>
-          <a:p>
-            <a:pPr algn="ctr"/>
-            <a:endParaRPr lang="en-US"/>
-          </a:p>
-        </p:txBody>
-      </p:sp>
-      <p:sp>
-        <p:nvSpPr>
-          <p:cNvPr id="56" name="TextBox 55">
-            <a:extLst>
-              <a:ext uri="{FF2B5EF4-FFF2-40B4-BE49-F238E27FC236}">
-                <a16:creationId xmlns:a16="http://schemas.microsoft.com/office/drawing/2014/main" id="{2EC09954-95AA-44B1-A3A8-6DAE47E8EE97}"/>
-              </a:ext>
-            </a:extLst>
-          </p:cNvPr>
-          <p:cNvSpPr txBox="1"/>
-          <p:nvPr/>
-        </p:nvSpPr>
-        <p:spPr>
-          <a:xfrm>
-            <a:off x="22784988" y="6231825"/>
-            <a:ext cx="6365065" cy="5632311"/>
-          </a:xfrm>
-          <a:prstGeom prst="rect">
-            <a:avLst/>
-          </a:prstGeom>
-          <a:noFill/>
-        </p:spPr>
-        <p:txBody>
-          <a:bodyPr wrap="square" rtlCol="0">
-            <a:spAutoFit/>
-          </a:bodyPr>
-          <a:lstStyle/>
-          <a:p>
-            <a:r>
-              <a:rPr lang="en-US" sz="6000" dirty="0">
-                <a:solidFill>
-                  <a:schemeClr val="bg1"/>
-                </a:solidFill>
-                <a:latin typeface="Consolas" panose="020B0609020204030204" pitchFamily="49" charset="0"/>
-                <a:cs typeface="Consolas" panose="020B0609020204030204" pitchFamily="49" charset="0"/>
-              </a:rPr>
-              <a:t>            19</a:t>
-            </a:r>
-          </a:p>
-          <a:p>
-            <a:r>
-              <a:rPr lang="en-US" sz="6000" dirty="0">
-                <a:solidFill>
-                  <a:schemeClr val="bg1"/>
-                </a:solidFill>
-                <a:latin typeface="Consolas" panose="020B0609020204030204" pitchFamily="49" charset="0"/>
-                <a:cs typeface="Consolas" panose="020B0609020204030204" pitchFamily="49" charset="0"/>
-              </a:rPr>
-              <a:t> _  _  6  _ 19</a:t>
-            </a:r>
-          </a:p>
-          <a:p>
-            <a:r>
-              <a:rPr lang="en-US" sz="6000" dirty="0">
-                <a:solidFill>
-                  <a:schemeClr val="bg1"/>
-                </a:solidFill>
-                <a:latin typeface="Consolas" panose="020B0609020204030204" pitchFamily="49" charset="0"/>
-                <a:cs typeface="Consolas" panose="020B0609020204030204" pitchFamily="49" charset="0"/>
-              </a:rPr>
-              <a:t> 6  _  _  _ 19</a:t>
-            </a:r>
-          </a:p>
-          <a:p>
-            <a:r>
-              <a:rPr lang="en-US" sz="6000" dirty="0">
-                <a:solidFill>
-                  <a:schemeClr val="bg1"/>
-                </a:solidFill>
-                <a:latin typeface="Consolas" panose="020B0609020204030204" pitchFamily="49" charset="0"/>
-                <a:cs typeface="Consolas" panose="020B0609020204030204" pitchFamily="49" charset="0"/>
-              </a:rPr>
-              <a:t> _  6  _  _ 19</a:t>
-            </a:r>
-          </a:p>
-          <a:p>
-            <a:r>
-              <a:rPr lang="en-US" sz="6000" dirty="0">
-                <a:solidFill>
-                  <a:schemeClr val="bg1"/>
-                </a:solidFill>
-                <a:latin typeface="Consolas" panose="020B0609020204030204" pitchFamily="49" charset="0"/>
-                <a:cs typeface="Consolas" panose="020B0609020204030204" pitchFamily="49" charset="0"/>
-              </a:rPr>
-              <a:t> _  _  _  6 19</a:t>
-            </a:r>
-          </a:p>
-          <a:p>
-            <a:r>
-              <a:rPr lang="en-US" sz="6000" dirty="0">
-                <a:solidFill>
-                  <a:schemeClr val="bg1"/>
-                </a:solidFill>
-                <a:latin typeface="Consolas" panose="020B0609020204030204" pitchFamily="49" charset="0"/>
-                <a:cs typeface="Consolas" panose="020B0609020204030204" pitchFamily="49" charset="0"/>
-              </a:rPr>
-              <a:t>19 19 19 19 19</a:t>
-            </a:r>
-          </a:p>
-        </p:txBody>
-      </p:sp>
-      <p:sp>
-        <p:nvSpPr>
-          <p:cNvPr id="2" name="TextBox 1">
-            <a:extLst>
-              <a:ext uri="{FF2B5EF4-FFF2-40B4-BE49-F238E27FC236}">
-                <a16:creationId xmlns:a16="http://schemas.microsoft.com/office/drawing/2014/main" id="{59AA1CA8-C6C6-4DAE-868D-644B57ECF232}"/>
-              </a:ext>
-            </a:extLst>
-          </p:cNvPr>
-          <p:cNvSpPr txBox="1"/>
-          <p:nvPr/>
-        </p:nvSpPr>
-        <p:spPr>
-          <a:xfrm>
-            <a:off x="15158958" y="16144023"/>
-            <a:ext cx="12595115" cy="6186309"/>
-          </a:xfrm>
-          <a:prstGeom prst="rect">
-            <a:avLst/>
-          </a:prstGeom>
-          <a:noFill/>
-        </p:spPr>
-        <p:txBody>
-          <a:bodyPr wrap="none" rtlCol="0">
-            <a:spAutoFit/>
-          </a:bodyPr>
-          <a:lstStyle/>
-          <a:p>
-            <a:r>
-              <a:rPr lang="en-US" sz="3600" dirty="0">
-                <a:solidFill>
-                  <a:schemeClr val="bg1"/>
-                </a:solidFill>
-                <a:latin typeface="Consolas" panose="020B0609020204030204" pitchFamily="49" charset="0"/>
-              </a:rPr>
-              <a:t>; part of entry clause</a:t>
-            </a:r>
-          </a:p>
-          <a:p>
-            <a:r>
-              <a:rPr lang="en-US" sz="3600" dirty="0">
-                <a:solidFill>
-                  <a:schemeClr val="bg1"/>
-                </a:solidFill>
-                <a:latin typeface="Consolas" panose="020B0609020204030204" pitchFamily="49" charset="0"/>
-              </a:rPr>
-              <a:t>; declaration for an entry at (2, 2) with value 5</a:t>
-            </a:r>
-          </a:p>
-          <a:p>
-            <a:r>
-              <a:rPr lang="en-US" sz="3600" dirty="0">
-                <a:solidFill>
-                  <a:schemeClr val="bg1"/>
-                </a:solidFill>
-                <a:latin typeface="Consolas" panose="020B0609020204030204" pitchFamily="49" charset="0"/>
-              </a:rPr>
-              <a:t>(declare-const x_2_2 Int)</a:t>
-            </a:r>
-          </a:p>
-          <a:p>
-            <a:r>
-              <a:rPr lang="en-US" sz="3600" dirty="0">
-                <a:solidFill>
-                  <a:schemeClr val="bg1"/>
-                </a:solidFill>
-                <a:latin typeface="Consolas" panose="020B0609020204030204" pitchFamily="49" charset="0"/>
-              </a:rPr>
-              <a:t>(assert (= x 5))</a:t>
-            </a:r>
-          </a:p>
-          <a:p>
-            <a:endParaRPr lang="en-US" sz="3600" dirty="0">
-              <a:solidFill>
-                <a:schemeClr val="bg1"/>
-              </a:solidFill>
-              <a:latin typeface="Consolas" panose="020B0609020204030204" pitchFamily="49" charset="0"/>
-            </a:endParaRPr>
-          </a:p>
-          <a:p>
-            <a:r>
-              <a:rPr lang="en-US" sz="3600" dirty="0">
-                <a:solidFill>
-                  <a:schemeClr val="bg1"/>
-                </a:solidFill>
-                <a:latin typeface="Consolas" panose="020B0609020204030204" pitchFamily="49" charset="0"/>
-              </a:rPr>
-              <a:t>; declaration for a hole at (2, 3)</a:t>
-            </a:r>
-          </a:p>
-          <a:p>
-            <a:r>
-              <a:rPr lang="en-US" sz="3600" dirty="0">
-                <a:solidFill>
-                  <a:schemeClr val="bg1"/>
-                </a:solidFill>
-                <a:latin typeface="Consolas" panose="020B0609020204030204" pitchFamily="49" charset="0"/>
-              </a:rPr>
-              <a:t>(declare-const x_2_3 Int)</a:t>
-            </a:r>
-          </a:p>
-          <a:p>
-            <a:r>
-              <a:rPr lang="en-US" sz="3600" dirty="0">
-                <a:solidFill>
-                  <a:schemeClr val="bg1"/>
-                </a:solidFill>
-                <a:latin typeface="Consolas" panose="020B0609020204030204" pitchFamily="49" charset="0"/>
-              </a:rPr>
-              <a:t>(assert (and (&gt;= x_2_3 1) (&lt;= x_2_3 9)))</a:t>
-            </a:r>
-          </a:p>
-          <a:p>
-            <a:endParaRPr lang="en-US" sz="3600" dirty="0">
-              <a:solidFill>
-                <a:schemeClr val="bg1"/>
-              </a:solidFill>
-              <a:latin typeface="Consolas" panose="020B0609020204030204" pitchFamily="49" charset="0"/>
-            </a:endParaRPr>
-          </a:p>
-          <a:p>
-            <a:r>
-              <a:rPr lang="en-US" sz="3600" dirty="0">
-                <a:solidFill>
-                  <a:schemeClr val="bg1"/>
-                </a:solidFill>
-                <a:latin typeface="Consolas" panose="020B0609020204030204" pitchFamily="49" charset="0"/>
-              </a:rPr>
-              <a:t>; part of row clause</a:t>
-            </a:r>
-          </a:p>
-          <a:p>
-            <a:r>
-              <a:rPr lang="en-US" sz="3600" dirty="0">
-                <a:solidFill>
-                  <a:schemeClr val="bg1"/>
-                </a:solidFill>
-                <a:latin typeface="Consolas" panose="020B0609020204030204" pitchFamily="49" charset="0"/>
-              </a:rPr>
-              <a:t>(assert (= (+ ... x_2_2 x_2_3 ...) 17))</a:t>
-            </a:r>
-          </a:p>
-        </p:txBody>
-      </p:sp>
-      <p:sp>
-        <p:nvSpPr>
-          <p:cNvPr id="58" name="CustomShape 5">
-            <a:extLst>
-              <a:ext uri="{FF2B5EF4-FFF2-40B4-BE49-F238E27FC236}">
-                <a16:creationId xmlns:a16="http://schemas.microsoft.com/office/drawing/2014/main" id="{CE8AE3C6-C294-4AAE-9D67-DECB169FA6E0}"/>
-              </a:ext>
-            </a:extLst>
-          </p:cNvPr>
-          <p:cNvSpPr/>
-          <p:nvPr/>
-        </p:nvSpPr>
-        <p:spPr>
-          <a:xfrm>
-            <a:off x="14989529" y="22354766"/>
-            <a:ext cx="14178392" cy="1064131"/>
-          </a:xfrm>
-          <a:prstGeom prst="rect">
-            <a:avLst/>
-          </a:prstGeom>
-          <a:noFill/>
-          <a:ln>
-            <a:noFill/>
-          </a:ln>
-        </p:spPr>
-        <p:style>
-          <a:lnRef idx="0">
-            <a:scrgbClr r="0" g="0" b="0"/>
-          </a:lnRef>
-          <a:fillRef idx="0">
-            <a:scrgbClr r="0" g="0" b="0"/>
-          </a:fillRef>
-          <a:effectRef idx="0">
-            <a:scrgbClr r="0" g="0" b="0"/>
-          </a:effectRef>
-          <a:fontRef idx="minor"/>
-        </p:style>
-        <p:txBody>
-          <a:bodyPr wrap="square" lIns="444240" tIns="222120" rIns="444240" bIns="222120" anchor="t">
-            <a:spAutoFit/>
-          </a:bodyPr>
-          <a:lstStyle/>
-          <a:p>
-            <a:pPr algn="ctr"/>
-            <a:r>
-              <a:rPr lang="en-US" sz="4000" b="1" spc="-1" dirty="0" err="1">
-                <a:solidFill>
-                  <a:srgbClr val="FFFFFF"/>
-                </a:solidFill>
-                <a:latin typeface="Arial"/>
-              </a:rPr>
-              <a:t>pSUS</a:t>
-            </a:r>
-            <a:r>
-              <a:rPr lang="en-US" sz="4000" spc="-1" dirty="0">
-                <a:solidFill>
-                  <a:srgbClr val="FFFFFF"/>
-                </a:solidFill>
-                <a:latin typeface="Arial"/>
-              </a:rPr>
-              <a:t> compiles puzzle to SMT formula, passes to Z3</a:t>
-            </a:r>
-            <a:endParaRPr lang="en-US" sz="4000" b="0" strike="noStrike" spc="-1" dirty="0">
-              <a:latin typeface="Arial"/>
-            </a:endParaRPr>
-          </a:p>
-        </p:txBody>
-      </p:sp>
-      <p:pic>
-        <p:nvPicPr>
-          <p:cNvPr id="1030" name="Picture 6" descr="UC Santa Barbara — Sprout Up">
-            <a:extLst>
-              <a:ext uri="{FF2B5EF4-FFF2-40B4-BE49-F238E27FC236}">
-                <a16:creationId xmlns:a16="http://schemas.microsoft.com/office/drawing/2014/main" id="{34F0B57E-51E9-4D1B-BC01-CC4AE5359999}"/>
+                <a16:creationId xmlns:a16="http://schemas.microsoft.com/office/drawing/2014/main" id="{5FAB92B7-5FA3-425C-8DC8-4EDFE8DC536E}"/>
               </a:ext>
             </a:extLst>
           </p:cNvPr>
           <p:cNvPicPr>
-            <a:picLocks noChangeAspect="1" noChangeArrowheads="1"/>
+            <a:picLocks noChangeAspect="1"/>
           </p:cNvPicPr>
           <p:nvPr/>
         </p:nvPicPr>
@@ -6409,42 +6431,31 @@
               </a:ext>
             </a:extLst>
           </a:blip>
-          <a:srcRect/>
           <a:stretch>
             <a:fillRect/>
           </a:stretch>
         </p:blipFill>
-        <p:spPr bwMode="auto">
-          <a:xfrm>
-            <a:off x="1329687" y="562518"/>
-            <a:ext cx="2868513" cy="2868513"/>
+        <p:spPr>
+          <a:xfrm>
+            <a:off x="29333975" y="14235350"/>
+            <a:ext cx="14573331" cy="7286666"/>
           </a:xfrm>
           <a:prstGeom prst="rect">
             <a:avLst/>
           </a:prstGeom>
-          <a:noFill/>
-          <a:extLst>
-            <a:ext uri="{909E8E84-426E-40DD-AFC4-6F175D3DCCD1}">
-              <a14:hiddenFill xmlns:a14="http://schemas.microsoft.com/office/drawing/2010/main">
-                <a:solidFill>
-                  <a:srgbClr val="FFFFFF"/>
-                </a:solidFill>
-              </a14:hiddenFill>
-            </a:ext>
-          </a:extLst>
         </p:spPr>
       </p:pic>
       <p:pic>
         <p:nvPicPr>
-          <p:cNvPr id="1032" name="Picture 8" descr="UCSB Computer Science 3rd Annual End of Year Celebration | UCSB Computer  Science">
+          <p:cNvPr id="16" name="Picture 15" descr="A screenshot of a computer&#10;&#10;Description automatically generated with medium confidence">
             <a:extLst>
               <a:ext uri="{FF2B5EF4-FFF2-40B4-BE49-F238E27FC236}">
-                <a16:creationId xmlns:a16="http://schemas.microsoft.com/office/drawing/2014/main" id="{9CC45A88-EFA6-4076-BE2E-2B41D7A50451}"/>
+                <a16:creationId xmlns:a16="http://schemas.microsoft.com/office/drawing/2014/main" id="{CD9A9B5C-6504-434B-B9CB-A8D7356987C8}"/>
               </a:ext>
             </a:extLst>
           </p:cNvPr>
           <p:cNvPicPr>
-            <a:picLocks noChangeAspect="1" noChangeArrowheads="1"/>
+            <a:picLocks noChangeAspect="1"/>
           </p:cNvPicPr>
           <p:nvPr/>
         </p:nvPicPr>
@@ -6456,29 +6467,18 @@
               </a:ext>
             </a:extLst>
           </a:blip>
-          <a:srcRect/>
           <a:stretch>
             <a:fillRect/>
           </a:stretch>
         </p:blipFill>
-        <p:spPr bwMode="auto">
-          <a:xfrm>
-            <a:off x="39693000" y="457589"/>
-            <a:ext cx="2868513" cy="2868513"/>
+        <p:spPr>
+          <a:xfrm>
+            <a:off x="29350081" y="20806170"/>
+            <a:ext cx="14541120" cy="7270561"/>
           </a:xfrm>
           <a:prstGeom prst="rect">
             <a:avLst/>
           </a:prstGeom>
-          <a:noFill/>
-          <a:extLst>
-            <a:ext uri="{909E8E84-426E-40DD-AFC4-6F175D3DCCD1}">
-              <a14:hiddenFill xmlns:a14="http://schemas.microsoft.com/office/drawing/2010/main">
-                <a:solidFill>
-                  <a:srgbClr val="FFFFFF"/>
-                </a:solidFill>
-              </a14:hiddenFill>
-            </a:ext>
-          </a:extLst>
         </p:spPr>
       </p:pic>
     </p:spTree>

--- a/poster/292C Project Poster.pptx
+++ b/poster/292C Project Poster.pptx
@@ -3990,7 +3990,7 @@
         </p:nvSpPr>
         <p:spPr>
           <a:xfrm>
-            <a:off x="110738" y="2490767"/>
+            <a:off x="134144" y="2372924"/>
             <a:ext cx="44015806" cy="1014209"/>
           </a:xfrm>
           <a:prstGeom prst="rect">
@@ -4048,7 +4048,7 @@
                 <a:ea typeface="+mn-lt"/>
                 <a:cs typeface="+mn-lt"/>
               </a:rPr>
-              <a:t>  | Gautam </a:t>
+              <a:t>  |  Gautam </a:t>
             </a:r>
             <a:r>
               <a:rPr lang="en-US" sz="6000" spc="-1" dirty="0" err="1">
@@ -4068,7 +4068,7 @@
                 <a:ea typeface="+mn-lt"/>
                 <a:cs typeface="+mn-lt"/>
               </a:rPr>
-              <a:t> | Ganesh Sankaran</a:t>
+              <a:t>  |  Ganesh Sankaran</a:t>
             </a:r>
             <a:endParaRPr lang="en-US" sz="6000" b="0" strike="noStrike" spc="-1" dirty="0">
               <a:solidFill>
@@ -4088,7 +4088,7 @@
         </p:nvSpPr>
         <p:spPr>
           <a:xfrm>
-            <a:off x="110739" y="95774"/>
+            <a:off x="110738" y="333118"/>
             <a:ext cx="43914950" cy="1937538"/>
           </a:xfrm>
           <a:prstGeom prst="rect">

--- a/poster/292C Project Poster.pptx
+++ b/poster/292C Project Poster.pptx
@@ -6113,7 +6113,7 @@
                 </a:solidFill>
                 <a:latin typeface="Consolas" panose="020B0609020204030204" pitchFamily="49" charset="0"/>
               </a:rPr>
-              <a:t>; declaration for an entry at (2, 2) with value 5</a:t>
+              <a:t>; declaration for an entry at (3, 2) with value 6</a:t>
             </a:r>
           </a:p>
           <a:p>
@@ -6124,7 +6124,7 @@
                 </a:solidFill>
                 <a:latin typeface="Consolas" panose="020B0609020204030204" pitchFamily="49" charset="0"/>
               </a:rPr>
-              <a:t>(declare-const x_2_2 Int)</a:t>
+              <a:t>(declare-const x_3_2 Int)</a:t>
             </a:r>
           </a:p>
           <a:p>
@@ -6135,7 +6135,7 @@
                 </a:solidFill>
                 <a:latin typeface="Consolas" panose="020B0609020204030204" pitchFamily="49" charset="0"/>
               </a:rPr>
-              <a:t>(assert (= x 5))</a:t>
+              <a:t>(assert (= x_3_2 6))</a:t>
             </a:r>
           </a:p>
           <a:p>
@@ -6165,7 +6165,7 @@
                 </a:solidFill>
                 <a:latin typeface="Consolas" panose="020B0609020204030204" pitchFamily="49" charset="0"/>
               </a:rPr>
-              <a:t>(declare-const x_2_3 Int)</a:t>
+              <a:t>(declare-const x_3_3 Int)</a:t>
             </a:r>
           </a:p>
           <a:p>
@@ -6176,7 +6176,7 @@
                 </a:solidFill>
                 <a:latin typeface="Consolas" panose="020B0609020204030204" pitchFamily="49" charset="0"/>
               </a:rPr>
-              <a:t>(assert (and (&gt;= x_2_3 1) (&lt;= x_2_3 9)))</a:t>
+              <a:t>(assert (and (&gt;= x_3_3 1) (&lt;= x_3_3 9)))</a:t>
             </a:r>
           </a:p>
           <a:p>
@@ -6206,8 +6206,23 @@
                 </a:solidFill>
                 <a:latin typeface="Consolas" panose="020B0609020204030204" pitchFamily="49" charset="0"/>
               </a:rPr>
-              <a:t>(assert (= (+ ... x_2_2 x_2_3 ...) 17))</a:t>
-            </a:r>
+              <a:t>(assert (= (+ x_3_1 x_3_2 x_</a:t>
+            </a:r>
+            <a:r>
+              <a:rPr lang="en-US" sz="3600">
+                <a:solidFill>
+                  <a:schemeClr val="bg1"/>
+                </a:solidFill>
+                <a:latin typeface="Consolas" panose="020B0609020204030204" pitchFamily="49" charset="0"/>
+              </a:rPr>
+              <a:t>3_3 x_3_4) 19))</a:t>
+            </a:r>
+            <a:endParaRPr lang="en-US" sz="3600" dirty="0">
+              <a:solidFill>
+                <a:schemeClr val="bg1"/>
+              </a:solidFill>
+              <a:latin typeface="Consolas" panose="020B0609020204030204" pitchFamily="49" charset="0"/>
+            </a:endParaRPr>
           </a:p>
         </p:txBody>
       </p:sp>

--- a/poster/292C Project Poster.pptx
+++ b/poster/292C Project Poster.pptx
@@ -6154,7 +6154,25 @@
                 </a:solidFill>
                 <a:latin typeface="Consolas" panose="020B0609020204030204" pitchFamily="49" charset="0"/>
               </a:rPr>
-              <a:t>; declaration for a hole at (2, 3)</a:t>
+              <a:t>; declaration for a hole </a:t>
+            </a:r>
+            <a:r>
+              <a:rPr lang="en-US" sz="3600">
+                <a:solidFill>
+                  <a:schemeClr val="bg1"/>
+                </a:solidFill>
+                <a:latin typeface="Consolas" panose="020B0609020204030204" pitchFamily="49" charset="0"/>
+              </a:rPr>
+              <a:t>at (3, </a:t>
+            </a:r>
+            <a:r>
+              <a:rPr lang="en-US" sz="3600" dirty="0">
+                <a:solidFill>
+                  <a:schemeClr val="bg1"/>
+                </a:solidFill>
+                <a:latin typeface="Consolas" panose="020B0609020204030204" pitchFamily="49" charset="0"/>
+              </a:rPr>
+              <a:t>3)</a:t>
             </a:r>
           </a:p>
           <a:p>
@@ -6206,23 +6224,8 @@
                 </a:solidFill>
                 <a:latin typeface="Consolas" panose="020B0609020204030204" pitchFamily="49" charset="0"/>
               </a:rPr>
-              <a:t>(assert (= (+ x_3_1 x_3_2 x_</a:t>
-            </a:r>
-            <a:r>
-              <a:rPr lang="en-US" sz="3600">
-                <a:solidFill>
-                  <a:schemeClr val="bg1"/>
-                </a:solidFill>
-                <a:latin typeface="Consolas" panose="020B0609020204030204" pitchFamily="49" charset="0"/>
-              </a:rPr>
-              <a:t>3_3 x_3_4) 19))</a:t>
-            </a:r>
-            <a:endParaRPr lang="en-US" sz="3600" dirty="0">
-              <a:solidFill>
-                <a:schemeClr val="bg1"/>
-              </a:solidFill>
-              <a:latin typeface="Consolas" panose="020B0609020204030204" pitchFamily="49" charset="0"/>
-            </a:endParaRPr>
+              <a:t>(assert (= (+ x_3_1 x_3_2 x_3_3 x_3_4) 19))</a:t>
+            </a:r>
           </a:p>
         </p:txBody>
       </p:sp>
